--- a/PETROLINv5.pptx
+++ b/PETROLINv5.pptx
@@ -6,13 +6,14 @@
   </p:sldMasterIdLst>
   <p:sldIdLst>
     <p:sldId id="256" r:id="rId2"/>
-    <p:sldId id="257" r:id="rId3"/>
-    <p:sldId id="258" r:id="rId4"/>
-    <p:sldId id="259" r:id="rId5"/>
-    <p:sldId id="260" r:id="rId6"/>
-    <p:sldId id="261" r:id="rId7"/>
-    <p:sldId id="262" r:id="rId8"/>
-    <p:sldId id="263" r:id="rId9"/>
+    <p:sldId id="264" r:id="rId3"/>
+    <p:sldId id="257" r:id="rId4"/>
+    <p:sldId id="258" r:id="rId5"/>
+    <p:sldId id="259" r:id="rId6"/>
+    <p:sldId id="260" r:id="rId7"/>
+    <p:sldId id="261" r:id="rId8"/>
+    <p:sldId id="262" r:id="rId9"/>
+    <p:sldId id="263" r:id="rId10"/>
   </p:sldIdLst>
   <p:sldSz cx="12192000" cy="6858000"/>
   <p:notesSz cx="6858000" cy="9144000"/>
@@ -4504,7 +4505,7 @@
           <a:p>
             <a:fld id="{C64BFCF4-A692-4532-AA6A-DF6B1857E273}" type="datetimeFigureOut">
               <a:rPr lang="es-SV" smtClean="0"/>
-              <a:t>7/11/2023</a:t>
+              <a:t>9/11/2023</a:t>
             </a:fld>
             <a:endParaRPr lang="es-SV" dirty="0"/>
           </a:p>
@@ -4704,7 +4705,7 @@
           <a:p>
             <a:fld id="{C64BFCF4-A692-4532-AA6A-DF6B1857E273}" type="datetimeFigureOut">
               <a:rPr lang="es-SV" smtClean="0"/>
-              <a:t>7/11/2023</a:t>
+              <a:t>9/11/2023</a:t>
             </a:fld>
             <a:endParaRPr lang="es-SV" dirty="0"/>
           </a:p>
@@ -4914,7 +4915,7 @@
           <a:p>
             <a:fld id="{C64BFCF4-A692-4532-AA6A-DF6B1857E273}" type="datetimeFigureOut">
               <a:rPr lang="es-SV" smtClean="0"/>
-              <a:t>7/11/2023</a:t>
+              <a:t>9/11/2023</a:t>
             </a:fld>
             <a:endParaRPr lang="es-SV" dirty="0"/>
           </a:p>
@@ -5114,7 +5115,7 @@
           <a:p>
             <a:fld id="{C64BFCF4-A692-4532-AA6A-DF6B1857E273}" type="datetimeFigureOut">
               <a:rPr lang="es-SV" smtClean="0"/>
-              <a:t>7/11/2023</a:t>
+              <a:t>9/11/2023</a:t>
             </a:fld>
             <a:endParaRPr lang="es-SV" dirty="0"/>
           </a:p>
@@ -5390,7 +5391,7 @@
           <a:p>
             <a:fld id="{C64BFCF4-A692-4532-AA6A-DF6B1857E273}" type="datetimeFigureOut">
               <a:rPr lang="es-SV" smtClean="0"/>
-              <a:t>7/11/2023</a:t>
+              <a:t>9/11/2023</a:t>
             </a:fld>
             <a:endParaRPr lang="es-SV" dirty="0"/>
           </a:p>
@@ -5658,7 +5659,7 @@
           <a:p>
             <a:fld id="{C64BFCF4-A692-4532-AA6A-DF6B1857E273}" type="datetimeFigureOut">
               <a:rPr lang="es-SV" smtClean="0"/>
-              <a:t>7/11/2023</a:t>
+              <a:t>9/11/2023</a:t>
             </a:fld>
             <a:endParaRPr lang="es-SV" dirty="0"/>
           </a:p>
@@ -6073,7 +6074,7 @@
           <a:p>
             <a:fld id="{C64BFCF4-A692-4532-AA6A-DF6B1857E273}" type="datetimeFigureOut">
               <a:rPr lang="es-SV" smtClean="0"/>
-              <a:t>7/11/2023</a:t>
+              <a:t>9/11/2023</a:t>
             </a:fld>
             <a:endParaRPr lang="es-SV" dirty="0"/>
           </a:p>
@@ -6215,7 +6216,7 @@
           <a:p>
             <a:fld id="{C64BFCF4-A692-4532-AA6A-DF6B1857E273}" type="datetimeFigureOut">
               <a:rPr lang="es-SV" smtClean="0"/>
-              <a:t>7/11/2023</a:t>
+              <a:t>9/11/2023</a:t>
             </a:fld>
             <a:endParaRPr lang="es-SV" dirty="0"/>
           </a:p>
@@ -6328,7 +6329,7 @@
           <a:p>
             <a:fld id="{C64BFCF4-A692-4532-AA6A-DF6B1857E273}" type="datetimeFigureOut">
               <a:rPr lang="es-SV" smtClean="0"/>
-              <a:t>7/11/2023</a:t>
+              <a:t>9/11/2023</a:t>
             </a:fld>
             <a:endParaRPr lang="es-SV" dirty="0"/>
           </a:p>
@@ -6641,7 +6642,7 @@
           <a:p>
             <a:fld id="{C64BFCF4-A692-4532-AA6A-DF6B1857E273}" type="datetimeFigureOut">
               <a:rPr lang="es-SV" smtClean="0"/>
-              <a:t>7/11/2023</a:t>
+              <a:t>9/11/2023</a:t>
             </a:fld>
             <a:endParaRPr lang="es-SV" dirty="0"/>
           </a:p>
@@ -6930,7 +6931,7 @@
           <a:p>
             <a:fld id="{C64BFCF4-A692-4532-AA6A-DF6B1857E273}" type="datetimeFigureOut">
               <a:rPr lang="es-SV" smtClean="0"/>
-              <a:t>7/11/2023</a:t>
+              <a:t>9/11/2023</a:t>
             </a:fld>
             <a:endParaRPr lang="es-SV" dirty="0"/>
           </a:p>
@@ -7182,7 +7183,7 @@
           <a:p>
             <a:fld id="{C64BFCF4-A692-4532-AA6A-DF6B1857E273}" type="datetimeFigureOut">
               <a:rPr lang="es-SV" smtClean="0"/>
-              <a:t>7/11/2023</a:t>
+              <a:t>9/11/2023</a:t>
             </a:fld>
             <a:endParaRPr lang="es-SV" dirty="0"/>
           </a:p>
@@ -7650,13 +7651,13 @@
           <p:nvPr>
             <p:extLst>
               <p:ext uri="{D42A27DB-BD31-4B8C-83A1-F6EECF244321}">
-                <p14:modId xmlns:p14="http://schemas.microsoft.com/office/powerpoint/2010/main" val="3664593703"/>
+                <p14:modId xmlns:p14="http://schemas.microsoft.com/office/powerpoint/2010/main" val="272389725"/>
               </p:ext>
             </p:extLst>
           </p:nvPr>
         </p:nvGraphicFramePr>
         <p:xfrm>
-          <a:off x="1046480" y="2397760"/>
+          <a:off x="518160" y="2316480"/>
           <a:ext cx="10099040" cy="3932766"/>
         </p:xfrm>
         <a:graphic>
@@ -8381,7 +8382,7 @@
 </file>
 
 <file path=ppt/slides/slide2.xml><?xml version="1.0" encoding="utf-8"?>
-<p:sld xmlns:a="http://schemas.openxmlformats.org/drawingml/2006/main" xmlns:r="http://schemas.openxmlformats.org/officeDocument/2006/relationships" xmlns:p="http://schemas.openxmlformats.org/presentationml/2006/main">
+<p:sld xmlns:a="http://schemas.openxmlformats.org/drawingml/2006/main" xmlns:r="http://schemas.openxmlformats.org/officeDocument/2006/relationships" xmlns:p="http://schemas.openxmlformats.org/presentationml/2006/main" show="0">
   <p:cSld>
     <p:spTree>
       <p:nvGrpSpPr>
@@ -8397,6 +8398,1251 @@
           <a:chExt cx="0" cy="0"/>
         </a:xfrm>
       </p:grpSpPr>
+      <p:pic>
+        <p:nvPicPr>
+          <p:cNvPr id="5" name="Imagen 4" descr="Logotipo, nombre de la empresa&#10;&#10;Descripción generada automáticamente">
+            <a:extLst>
+              <a:ext uri="{FF2B5EF4-FFF2-40B4-BE49-F238E27FC236}">
+                <a16:creationId xmlns:a16="http://schemas.microsoft.com/office/drawing/2014/main" id="{6350B585-6E45-329A-B12F-11FC7462E0BA}"/>
+              </a:ext>
+            </a:extLst>
+          </p:cNvPr>
+          <p:cNvPicPr>
+            <a:picLocks noChangeAspect="1"/>
+          </p:cNvPicPr>
+          <p:nvPr/>
+        </p:nvPicPr>
+        <p:blipFill>
+          <a:blip r:embed="rId2">
+            <a:extLst>
+              <a:ext uri="{28A0092B-C50C-407E-A947-70E740481C1C}">
+                <a14:useLocalDpi xmlns:a14="http://schemas.microsoft.com/office/drawing/2010/main" val="0"/>
+              </a:ext>
+            </a:extLst>
+          </a:blip>
+          <a:stretch>
+            <a:fillRect/>
+          </a:stretch>
+        </p:blipFill>
+        <p:spPr>
+          <a:xfrm>
+            <a:off x="368808" y="390311"/>
+            <a:ext cx="2821432" cy="2351194"/>
+          </a:xfrm>
+          <a:prstGeom prst="rect">
+            <a:avLst/>
+          </a:prstGeom>
+        </p:spPr>
+      </p:pic>
+      <p:graphicFrame>
+        <p:nvGraphicFramePr>
+          <p:cNvPr id="6" name="Tabla 5">
+            <a:extLst>
+              <a:ext uri="{FF2B5EF4-FFF2-40B4-BE49-F238E27FC236}">
+                <a16:creationId xmlns:a16="http://schemas.microsoft.com/office/drawing/2014/main" id="{68428C2A-3735-E960-C108-494D550A141D}"/>
+              </a:ext>
+            </a:extLst>
+          </p:cNvPr>
+          <p:cNvGraphicFramePr>
+            <a:graphicFrameLocks noGrp="1"/>
+          </p:cNvGraphicFramePr>
+          <p:nvPr>
+            <p:extLst>
+              <p:ext uri="{D42A27DB-BD31-4B8C-83A1-F6EECF244321}">
+                <p14:modId xmlns:p14="http://schemas.microsoft.com/office/powerpoint/2010/main" val="2721205402"/>
+              </p:ext>
+            </p:extLst>
+          </p:nvPr>
+        </p:nvGraphicFramePr>
+        <p:xfrm>
+          <a:off x="518160" y="2316480"/>
+          <a:ext cx="11480799" cy="3932766"/>
+        </p:xfrm>
+        <a:graphic>
+          <a:graphicData uri="http://schemas.openxmlformats.org/drawingml/2006/table">
+            <a:tbl>
+              <a:tblPr firstRow="1" bandRow="1">
+                <a:tableStyleId>{5C22544A-7EE6-4342-B048-85BDC9FD1C3A}</a:tableStyleId>
+              </a:tblPr>
+              <a:tblGrid>
+                <a:gridCol w="2736314">
+                  <a:extLst>
+                    <a:ext uri="{9D8B030D-6E8A-4147-A177-3AD203B41FA5}">
+                      <a16:colId xmlns:a16="http://schemas.microsoft.com/office/drawing/2014/main" val="2075878154"/>
+                    </a:ext>
+                  </a:extLst>
+                </a:gridCol>
+                <a:gridCol w="5826464">
+                  <a:extLst>
+                    <a:ext uri="{9D8B030D-6E8A-4147-A177-3AD203B41FA5}">
+                      <a16:colId xmlns:a16="http://schemas.microsoft.com/office/drawing/2014/main" val="2846710075"/>
+                    </a:ext>
+                  </a:extLst>
+                </a:gridCol>
+                <a:gridCol w="2918021">
+                  <a:extLst>
+                    <a:ext uri="{9D8B030D-6E8A-4147-A177-3AD203B41FA5}">
+                      <a16:colId xmlns:a16="http://schemas.microsoft.com/office/drawing/2014/main" val="2653252918"/>
+                    </a:ext>
+                  </a:extLst>
+                </a:gridCol>
+              </a:tblGrid>
+              <a:tr h="655461">
+                <a:tc gridSpan="2">
+                  <a:txBody>
+                    <a:bodyPr/>
+                    <a:lstStyle/>
+                    <a:p>
+                      <a:pPr lvl="1" algn="l"/>
+                      <a:r>
+                        <a:rPr lang="es-ES" sz="3200" dirty="0"/>
+                        <a:t>GRUPO 4</a:t>
+                      </a:r>
+                      <a:endParaRPr lang="es-SV" sz="3200" dirty="0"/>
+                    </a:p>
+                  </a:txBody>
+                  <a:tcPr anchor="ctr">
+                    <a:lnL w="12700" cap="flat" cmpd="sng" algn="ctr">
+                      <a:solidFill>
+                        <a:schemeClr val="tx1"/>
+                      </a:solidFill>
+                      <a:prstDash val="solid"/>
+                      <a:round/>
+                      <a:headEnd type="none" w="med" len="med"/>
+                      <a:tailEnd type="none" w="med" len="med"/>
+                    </a:lnL>
+                    <a:lnR w="12700" cap="flat" cmpd="sng" algn="ctr">
+                      <a:solidFill>
+                        <a:schemeClr val="tx1"/>
+                      </a:solidFill>
+                      <a:prstDash val="solid"/>
+                      <a:round/>
+                      <a:headEnd type="none" w="med" len="med"/>
+                      <a:tailEnd type="none" w="med" len="med"/>
+                    </a:lnR>
+                    <a:lnT w="12700" cap="flat" cmpd="sng" algn="ctr">
+                      <a:solidFill>
+                        <a:schemeClr val="tx1"/>
+                      </a:solidFill>
+                      <a:prstDash val="solid"/>
+                      <a:round/>
+                      <a:headEnd type="none" w="med" len="med"/>
+                      <a:tailEnd type="none" w="med" len="med"/>
+                    </a:lnT>
+                    <a:lnB w="12700" cap="flat" cmpd="sng" algn="ctr">
+                      <a:solidFill>
+                        <a:schemeClr val="tx1"/>
+                      </a:solidFill>
+                      <a:prstDash val="solid"/>
+                      <a:round/>
+                      <a:headEnd type="none" w="med" len="med"/>
+                      <a:tailEnd type="none" w="med" len="med"/>
+                    </a:lnB>
+                  </a:tcPr>
+                </a:tc>
+                <a:tc hMerge="1">
+                  <a:txBody>
+                    <a:bodyPr/>
+                    <a:lstStyle/>
+                    <a:p>
+                      <a:endParaRPr lang="es-SV" dirty="0"/>
+                    </a:p>
+                  </a:txBody>
+                  <a:tcPr/>
+                </a:tc>
+                <a:tc>
+                  <a:txBody>
+                    <a:bodyPr/>
+                    <a:lstStyle/>
+                    <a:p>
+                      <a:pPr lvl="1" algn="l"/>
+                      <a:endParaRPr lang="es-SV" sz="3200" dirty="0"/>
+                    </a:p>
+                  </a:txBody>
+                  <a:tcPr anchor="ctr">
+                    <a:lnL w="12700" cap="flat" cmpd="sng" algn="ctr">
+                      <a:solidFill>
+                        <a:schemeClr val="tx1"/>
+                      </a:solidFill>
+                      <a:prstDash val="solid"/>
+                      <a:round/>
+                      <a:headEnd type="none" w="med" len="med"/>
+                      <a:tailEnd type="none" w="med" len="med"/>
+                    </a:lnL>
+                    <a:lnR w="12700" cap="flat" cmpd="sng" algn="ctr">
+                      <a:solidFill>
+                        <a:schemeClr val="tx1"/>
+                      </a:solidFill>
+                      <a:prstDash val="solid"/>
+                      <a:round/>
+                      <a:headEnd type="none" w="med" len="med"/>
+                      <a:tailEnd type="none" w="med" len="med"/>
+                    </a:lnR>
+                    <a:lnT w="12700" cap="flat" cmpd="sng" algn="ctr">
+                      <a:solidFill>
+                        <a:schemeClr val="tx1"/>
+                      </a:solidFill>
+                      <a:prstDash val="solid"/>
+                      <a:round/>
+                      <a:headEnd type="none" w="med" len="med"/>
+                      <a:tailEnd type="none" w="med" len="med"/>
+                    </a:lnT>
+                    <a:lnB w="12700" cap="flat" cmpd="sng" algn="ctr">
+                      <a:solidFill>
+                        <a:schemeClr val="tx1"/>
+                      </a:solidFill>
+                      <a:prstDash val="solid"/>
+                      <a:round/>
+                      <a:headEnd type="none" w="med" len="med"/>
+                      <a:tailEnd type="none" w="med" len="med"/>
+                    </a:lnB>
+                  </a:tcPr>
+                </a:tc>
+                <a:extLst>
+                  <a:ext uri="{0D108BD9-81ED-4DB2-BD59-A6C34878D82A}">
+                    <a16:rowId xmlns:a16="http://schemas.microsoft.com/office/drawing/2014/main" val="2844200588"/>
+                  </a:ext>
+                </a:extLst>
+              </a:tr>
+              <a:tr h="655461">
+                <a:tc>
+                  <a:txBody>
+                    <a:bodyPr/>
+                    <a:lstStyle/>
+                    <a:p>
+                      <a:r>
+                        <a:rPr lang="es-ES" sz="3000" dirty="0"/>
+                        <a:t>17</a:t>
+                      </a:r>
+                      <a:r>
+                        <a:rPr lang="en-US" sz="3000" dirty="0"/>
+                        <a:t>-1673-2000</a:t>
+                      </a:r>
+                      <a:endParaRPr lang="es-SV" sz="3000" dirty="0"/>
+                    </a:p>
+                  </a:txBody>
+                  <a:tcPr anchor="ctr">
+                    <a:lnL w="12700" cap="flat" cmpd="sng" algn="ctr">
+                      <a:solidFill>
+                        <a:schemeClr val="tx1"/>
+                      </a:solidFill>
+                      <a:prstDash val="solid"/>
+                      <a:round/>
+                      <a:headEnd type="none" w="med" len="med"/>
+                      <a:tailEnd type="none" w="med" len="med"/>
+                    </a:lnL>
+                    <a:lnR w="12700" cap="flat" cmpd="sng" algn="ctr">
+                      <a:solidFill>
+                        <a:schemeClr val="tx1"/>
+                      </a:solidFill>
+                      <a:prstDash val="solid"/>
+                      <a:round/>
+                      <a:headEnd type="none" w="med" len="med"/>
+                      <a:tailEnd type="none" w="med" len="med"/>
+                    </a:lnR>
+                    <a:lnT w="12700" cap="flat" cmpd="sng" algn="ctr">
+                      <a:solidFill>
+                        <a:schemeClr val="tx1"/>
+                      </a:solidFill>
+                      <a:prstDash val="solid"/>
+                      <a:round/>
+                      <a:headEnd type="none" w="med" len="med"/>
+                      <a:tailEnd type="none" w="med" len="med"/>
+                    </a:lnT>
+                    <a:lnB w="12700" cap="flat" cmpd="sng" algn="ctr">
+                      <a:solidFill>
+                        <a:schemeClr val="tx1"/>
+                      </a:solidFill>
+                      <a:prstDash val="solid"/>
+                      <a:round/>
+                      <a:headEnd type="none" w="med" len="med"/>
+                      <a:tailEnd type="none" w="med" len="med"/>
+                    </a:lnB>
+                    <a:solidFill>
+                      <a:schemeClr val="accent6">
+                        <a:lumMod val="20000"/>
+                        <a:lumOff val="80000"/>
+                      </a:schemeClr>
+                    </a:solidFill>
+                  </a:tcPr>
+                </a:tc>
+                <a:tc>
+                  <a:txBody>
+                    <a:bodyPr/>
+                    <a:lstStyle/>
+                    <a:p>
+                      <a:r>
+                        <a:rPr lang="en-US" sz="3000" dirty="0"/>
+                        <a:t>José Alfredo Hernández Ortiz</a:t>
+                      </a:r>
+                      <a:endParaRPr lang="es-SV" sz="3000" dirty="0"/>
+                    </a:p>
+                  </a:txBody>
+                  <a:tcPr anchor="ctr">
+                    <a:lnL w="12700" cap="flat" cmpd="sng" algn="ctr">
+                      <a:solidFill>
+                        <a:schemeClr val="tx1"/>
+                      </a:solidFill>
+                      <a:prstDash val="solid"/>
+                      <a:round/>
+                      <a:headEnd type="none" w="med" len="med"/>
+                      <a:tailEnd type="none" w="med" len="med"/>
+                    </a:lnL>
+                    <a:lnR w="12700" cap="flat" cmpd="sng" algn="ctr">
+                      <a:solidFill>
+                        <a:schemeClr val="tx1"/>
+                      </a:solidFill>
+                      <a:prstDash val="solid"/>
+                      <a:round/>
+                      <a:headEnd type="none" w="med" len="med"/>
+                      <a:tailEnd type="none" w="med" len="med"/>
+                    </a:lnR>
+                    <a:lnT w="12700" cap="flat" cmpd="sng" algn="ctr">
+                      <a:solidFill>
+                        <a:schemeClr val="tx1"/>
+                      </a:solidFill>
+                      <a:prstDash val="solid"/>
+                      <a:round/>
+                      <a:headEnd type="none" w="med" len="med"/>
+                      <a:tailEnd type="none" w="med" len="med"/>
+                    </a:lnT>
+                    <a:lnB w="12700" cap="flat" cmpd="sng" algn="ctr">
+                      <a:solidFill>
+                        <a:schemeClr val="tx1"/>
+                      </a:solidFill>
+                      <a:prstDash val="solid"/>
+                      <a:round/>
+                      <a:headEnd type="none" w="med" len="med"/>
+                      <a:tailEnd type="none" w="med" len="med"/>
+                    </a:lnB>
+                    <a:solidFill>
+                      <a:schemeClr val="accent6">
+                        <a:lumMod val="20000"/>
+                        <a:lumOff val="80000"/>
+                      </a:schemeClr>
+                    </a:solidFill>
+                  </a:tcPr>
+                </a:tc>
+                <a:tc>
+                  <a:txBody>
+                    <a:bodyPr/>
+                    <a:lstStyle/>
+                    <a:p>
+                      <a:r>
+                        <a:rPr lang="es-SV" sz="3000" dirty="0">
+                          <a:solidFill>
+                            <a:srgbClr val="0070C0"/>
+                          </a:solidFill>
+                        </a:rPr>
+                        <a:t>Demostración</a:t>
+                      </a:r>
+                    </a:p>
+                  </a:txBody>
+                  <a:tcPr anchor="ctr">
+                    <a:lnL w="12700" cap="flat" cmpd="sng" algn="ctr">
+                      <a:solidFill>
+                        <a:schemeClr val="tx1"/>
+                      </a:solidFill>
+                      <a:prstDash val="solid"/>
+                      <a:round/>
+                      <a:headEnd type="none" w="med" len="med"/>
+                      <a:tailEnd type="none" w="med" len="med"/>
+                    </a:lnL>
+                    <a:lnR w="12700" cap="flat" cmpd="sng" algn="ctr">
+                      <a:solidFill>
+                        <a:schemeClr val="tx1"/>
+                      </a:solidFill>
+                      <a:prstDash val="solid"/>
+                      <a:round/>
+                      <a:headEnd type="none" w="med" len="med"/>
+                      <a:tailEnd type="none" w="med" len="med"/>
+                    </a:lnR>
+                    <a:lnT w="12700" cap="flat" cmpd="sng" algn="ctr">
+                      <a:solidFill>
+                        <a:schemeClr val="tx1"/>
+                      </a:solidFill>
+                      <a:prstDash val="solid"/>
+                      <a:round/>
+                      <a:headEnd type="none" w="med" len="med"/>
+                      <a:tailEnd type="none" w="med" len="med"/>
+                    </a:lnT>
+                    <a:lnB w="12700" cap="flat" cmpd="sng" algn="ctr">
+                      <a:solidFill>
+                        <a:schemeClr val="tx1"/>
+                      </a:solidFill>
+                      <a:prstDash val="solid"/>
+                      <a:round/>
+                      <a:headEnd type="none" w="med" len="med"/>
+                      <a:tailEnd type="none" w="med" len="med"/>
+                    </a:lnB>
+                    <a:solidFill>
+                      <a:schemeClr val="accent6">
+                        <a:lumMod val="20000"/>
+                        <a:lumOff val="80000"/>
+                      </a:schemeClr>
+                    </a:solidFill>
+                  </a:tcPr>
+                </a:tc>
+                <a:extLst>
+                  <a:ext uri="{0D108BD9-81ED-4DB2-BD59-A6C34878D82A}">
+                    <a16:rowId xmlns:a16="http://schemas.microsoft.com/office/drawing/2014/main" val="2200284335"/>
+                  </a:ext>
+                </a:extLst>
+              </a:tr>
+              <a:tr h="655461">
+                <a:tc>
+                  <a:txBody>
+                    <a:bodyPr/>
+                    <a:lstStyle/>
+                    <a:p>
+                      <a:r>
+                        <a:rPr lang="es-ES" sz="3000" dirty="0"/>
+                        <a:t>17</a:t>
+                      </a:r>
+                      <a:r>
+                        <a:rPr lang="en-US" sz="3000" dirty="0"/>
+                        <a:t>-3514-2018</a:t>
+                      </a:r>
+                      <a:endParaRPr lang="es-SV" sz="3000" dirty="0"/>
+                    </a:p>
+                  </a:txBody>
+                  <a:tcPr anchor="ctr">
+                    <a:lnL w="12700" cap="flat" cmpd="sng" algn="ctr">
+                      <a:solidFill>
+                        <a:schemeClr val="tx1"/>
+                      </a:solidFill>
+                      <a:prstDash val="solid"/>
+                      <a:round/>
+                      <a:headEnd type="none" w="med" len="med"/>
+                      <a:tailEnd type="none" w="med" len="med"/>
+                    </a:lnL>
+                    <a:lnR w="12700" cap="flat" cmpd="sng" algn="ctr">
+                      <a:solidFill>
+                        <a:schemeClr val="tx1"/>
+                      </a:solidFill>
+                      <a:prstDash val="solid"/>
+                      <a:round/>
+                      <a:headEnd type="none" w="med" len="med"/>
+                      <a:tailEnd type="none" w="med" len="med"/>
+                    </a:lnR>
+                    <a:lnT w="12700" cap="flat" cmpd="sng" algn="ctr">
+                      <a:solidFill>
+                        <a:schemeClr val="tx1"/>
+                      </a:solidFill>
+                      <a:prstDash val="solid"/>
+                      <a:round/>
+                      <a:headEnd type="none" w="med" len="med"/>
+                      <a:tailEnd type="none" w="med" len="med"/>
+                    </a:lnT>
+                    <a:lnB w="12700" cap="flat" cmpd="sng" algn="ctr">
+                      <a:solidFill>
+                        <a:schemeClr val="tx1"/>
+                      </a:solidFill>
+                      <a:prstDash val="solid"/>
+                      <a:round/>
+                      <a:headEnd type="none" w="med" len="med"/>
+                      <a:tailEnd type="none" w="med" len="med"/>
+                    </a:lnB>
+                    <a:solidFill>
+                      <a:schemeClr val="accent6">
+                        <a:lumMod val="20000"/>
+                        <a:lumOff val="80000"/>
+                      </a:schemeClr>
+                    </a:solidFill>
+                  </a:tcPr>
+                </a:tc>
+                <a:tc>
+                  <a:txBody>
+                    <a:bodyPr/>
+                    <a:lstStyle/>
+                    <a:p>
+                      <a:r>
+                        <a:rPr lang="en-US" sz="3000" dirty="0"/>
+                        <a:t>Karla Alexandra Reyes Alfaro</a:t>
+                      </a:r>
+                      <a:endParaRPr lang="es-SV" sz="3000" dirty="0"/>
+                    </a:p>
+                  </a:txBody>
+                  <a:tcPr anchor="b">
+                    <a:lnL w="12700" cap="flat" cmpd="sng" algn="ctr">
+                      <a:solidFill>
+                        <a:schemeClr val="tx1"/>
+                      </a:solidFill>
+                      <a:prstDash val="solid"/>
+                      <a:round/>
+                      <a:headEnd type="none" w="med" len="med"/>
+                      <a:tailEnd type="none" w="med" len="med"/>
+                    </a:lnL>
+                    <a:lnR w="12700" cap="flat" cmpd="sng" algn="ctr">
+                      <a:solidFill>
+                        <a:schemeClr val="tx1"/>
+                      </a:solidFill>
+                      <a:prstDash val="solid"/>
+                      <a:round/>
+                      <a:headEnd type="none" w="med" len="med"/>
+                      <a:tailEnd type="none" w="med" len="med"/>
+                    </a:lnR>
+                    <a:lnT w="12700" cap="flat" cmpd="sng" algn="ctr">
+                      <a:solidFill>
+                        <a:schemeClr val="tx1"/>
+                      </a:solidFill>
+                      <a:prstDash val="solid"/>
+                      <a:round/>
+                      <a:headEnd type="none" w="med" len="med"/>
+                      <a:tailEnd type="none" w="med" len="med"/>
+                    </a:lnT>
+                    <a:lnB w="12700" cap="flat" cmpd="sng" algn="ctr">
+                      <a:solidFill>
+                        <a:schemeClr val="tx1"/>
+                      </a:solidFill>
+                      <a:prstDash val="solid"/>
+                      <a:round/>
+                      <a:headEnd type="none" w="med" len="med"/>
+                      <a:tailEnd type="none" w="med" len="med"/>
+                    </a:lnB>
+                    <a:solidFill>
+                      <a:schemeClr val="accent6">
+                        <a:lumMod val="20000"/>
+                        <a:lumOff val="80000"/>
+                      </a:schemeClr>
+                    </a:solidFill>
+                  </a:tcPr>
+                </a:tc>
+                <a:tc>
+                  <a:txBody>
+                    <a:bodyPr/>
+                    <a:lstStyle/>
+                    <a:p>
+                      <a:r>
+                        <a:rPr lang="es-SV" sz="3000" dirty="0" err="1">
+                          <a:solidFill>
+                            <a:srgbClr val="0070C0"/>
+                          </a:solidFill>
+                        </a:rPr>
+                        <a:t>Cap</a:t>
+                      </a:r>
+                      <a:r>
+                        <a:rPr lang="es-SV" sz="3000" dirty="0">
+                          <a:solidFill>
+                            <a:srgbClr val="0070C0"/>
+                          </a:solidFill>
+                        </a:rPr>
+                        <a:t> 3</a:t>
+                      </a:r>
+                    </a:p>
+                  </a:txBody>
+                  <a:tcPr anchor="b">
+                    <a:lnL w="12700" cap="flat" cmpd="sng" algn="ctr">
+                      <a:solidFill>
+                        <a:schemeClr val="tx1"/>
+                      </a:solidFill>
+                      <a:prstDash val="solid"/>
+                      <a:round/>
+                      <a:headEnd type="none" w="med" len="med"/>
+                      <a:tailEnd type="none" w="med" len="med"/>
+                    </a:lnL>
+                    <a:lnR w="12700" cap="flat" cmpd="sng" algn="ctr">
+                      <a:solidFill>
+                        <a:schemeClr val="tx1"/>
+                      </a:solidFill>
+                      <a:prstDash val="solid"/>
+                      <a:round/>
+                      <a:headEnd type="none" w="med" len="med"/>
+                      <a:tailEnd type="none" w="med" len="med"/>
+                    </a:lnR>
+                    <a:lnT w="12700" cap="flat" cmpd="sng" algn="ctr">
+                      <a:solidFill>
+                        <a:schemeClr val="tx1"/>
+                      </a:solidFill>
+                      <a:prstDash val="solid"/>
+                      <a:round/>
+                      <a:headEnd type="none" w="med" len="med"/>
+                      <a:tailEnd type="none" w="med" len="med"/>
+                    </a:lnT>
+                    <a:lnB w="12700" cap="flat" cmpd="sng" algn="ctr">
+                      <a:solidFill>
+                        <a:schemeClr val="tx1"/>
+                      </a:solidFill>
+                      <a:prstDash val="solid"/>
+                      <a:round/>
+                      <a:headEnd type="none" w="med" len="med"/>
+                      <a:tailEnd type="none" w="med" len="med"/>
+                    </a:lnB>
+                    <a:solidFill>
+                      <a:schemeClr val="accent6">
+                        <a:lumMod val="20000"/>
+                        <a:lumOff val="80000"/>
+                      </a:schemeClr>
+                    </a:solidFill>
+                  </a:tcPr>
+                </a:tc>
+                <a:extLst>
+                  <a:ext uri="{0D108BD9-81ED-4DB2-BD59-A6C34878D82A}">
+                    <a16:rowId xmlns:a16="http://schemas.microsoft.com/office/drawing/2014/main" val="2191891973"/>
+                  </a:ext>
+                </a:extLst>
+              </a:tr>
+              <a:tr h="655461">
+                <a:tc>
+                  <a:txBody>
+                    <a:bodyPr/>
+                    <a:lstStyle/>
+                    <a:p>
+                      <a:r>
+                        <a:rPr lang="en-US" sz="3000" dirty="0"/>
+                        <a:t>25-4970-2016</a:t>
+                      </a:r>
+                      <a:endParaRPr lang="es-SV" sz="3000" dirty="0"/>
+                    </a:p>
+                  </a:txBody>
+                  <a:tcPr anchor="ctr">
+                    <a:lnL w="12700" cap="flat" cmpd="sng" algn="ctr">
+                      <a:solidFill>
+                        <a:schemeClr val="tx1"/>
+                      </a:solidFill>
+                      <a:prstDash val="solid"/>
+                      <a:round/>
+                      <a:headEnd type="none" w="med" len="med"/>
+                      <a:tailEnd type="none" w="med" len="med"/>
+                    </a:lnL>
+                    <a:lnR w="12700" cap="flat" cmpd="sng" algn="ctr">
+                      <a:solidFill>
+                        <a:schemeClr val="tx1"/>
+                      </a:solidFill>
+                      <a:prstDash val="solid"/>
+                      <a:round/>
+                      <a:headEnd type="none" w="med" len="med"/>
+                      <a:tailEnd type="none" w="med" len="med"/>
+                    </a:lnR>
+                    <a:lnT w="12700" cap="flat" cmpd="sng" algn="ctr">
+                      <a:solidFill>
+                        <a:schemeClr val="tx1"/>
+                      </a:solidFill>
+                      <a:prstDash val="solid"/>
+                      <a:round/>
+                      <a:headEnd type="none" w="med" len="med"/>
+                      <a:tailEnd type="none" w="med" len="med"/>
+                    </a:lnT>
+                    <a:lnB w="12700" cap="flat" cmpd="sng" algn="ctr">
+                      <a:solidFill>
+                        <a:schemeClr val="tx1"/>
+                      </a:solidFill>
+                      <a:prstDash val="solid"/>
+                      <a:round/>
+                      <a:headEnd type="none" w="med" len="med"/>
+                      <a:tailEnd type="none" w="med" len="med"/>
+                    </a:lnB>
+                    <a:solidFill>
+                      <a:schemeClr val="accent6">
+                        <a:lumMod val="20000"/>
+                        <a:lumOff val="80000"/>
+                      </a:schemeClr>
+                    </a:solidFill>
+                  </a:tcPr>
+                </a:tc>
+                <a:tc>
+                  <a:txBody>
+                    <a:bodyPr/>
+                    <a:lstStyle/>
+                    <a:p>
+                      <a:r>
+                        <a:rPr lang="en-US" sz="3000" dirty="0"/>
+                        <a:t>Vladimir Benjamin Hernandez Perez</a:t>
+                      </a:r>
+                      <a:endParaRPr lang="es-SV" sz="3000" dirty="0"/>
+                    </a:p>
+                  </a:txBody>
+                  <a:tcPr anchor="b">
+                    <a:lnL w="12700" cap="flat" cmpd="sng" algn="ctr">
+                      <a:solidFill>
+                        <a:schemeClr val="tx1"/>
+                      </a:solidFill>
+                      <a:prstDash val="solid"/>
+                      <a:round/>
+                      <a:headEnd type="none" w="med" len="med"/>
+                      <a:tailEnd type="none" w="med" len="med"/>
+                    </a:lnL>
+                    <a:lnR w="12700" cap="flat" cmpd="sng" algn="ctr">
+                      <a:solidFill>
+                        <a:schemeClr val="tx1"/>
+                      </a:solidFill>
+                      <a:prstDash val="solid"/>
+                      <a:round/>
+                      <a:headEnd type="none" w="med" len="med"/>
+                      <a:tailEnd type="none" w="med" len="med"/>
+                    </a:lnR>
+                    <a:lnT w="12700" cap="flat" cmpd="sng" algn="ctr">
+                      <a:solidFill>
+                        <a:schemeClr val="tx1"/>
+                      </a:solidFill>
+                      <a:prstDash val="solid"/>
+                      <a:round/>
+                      <a:headEnd type="none" w="med" len="med"/>
+                      <a:tailEnd type="none" w="med" len="med"/>
+                    </a:lnT>
+                    <a:lnB w="12700" cap="flat" cmpd="sng" algn="ctr">
+                      <a:solidFill>
+                        <a:schemeClr val="tx1"/>
+                      </a:solidFill>
+                      <a:prstDash val="solid"/>
+                      <a:round/>
+                      <a:headEnd type="none" w="med" len="med"/>
+                      <a:tailEnd type="none" w="med" len="med"/>
+                    </a:lnB>
+                    <a:solidFill>
+                      <a:schemeClr val="accent6">
+                        <a:lumMod val="20000"/>
+                        <a:lumOff val="80000"/>
+                      </a:schemeClr>
+                    </a:solidFill>
+                  </a:tcPr>
+                </a:tc>
+                <a:tc>
+                  <a:txBody>
+                    <a:bodyPr/>
+                    <a:lstStyle/>
+                    <a:p>
+                      <a:r>
+                        <a:rPr lang="es-SV" sz="3000" dirty="0">
+                          <a:solidFill>
+                            <a:srgbClr val="0070C0"/>
+                          </a:solidFill>
+                        </a:rPr>
+                        <a:t>Presentador</a:t>
+                      </a:r>
+                    </a:p>
+                  </a:txBody>
+                  <a:tcPr anchor="b">
+                    <a:lnL w="12700" cap="flat" cmpd="sng" algn="ctr">
+                      <a:solidFill>
+                        <a:schemeClr val="tx1"/>
+                      </a:solidFill>
+                      <a:prstDash val="solid"/>
+                      <a:round/>
+                      <a:headEnd type="none" w="med" len="med"/>
+                      <a:tailEnd type="none" w="med" len="med"/>
+                    </a:lnL>
+                    <a:lnR w="12700" cap="flat" cmpd="sng" algn="ctr">
+                      <a:solidFill>
+                        <a:schemeClr val="tx1"/>
+                      </a:solidFill>
+                      <a:prstDash val="solid"/>
+                      <a:round/>
+                      <a:headEnd type="none" w="med" len="med"/>
+                      <a:tailEnd type="none" w="med" len="med"/>
+                    </a:lnR>
+                    <a:lnT w="12700" cap="flat" cmpd="sng" algn="ctr">
+                      <a:solidFill>
+                        <a:schemeClr val="tx1"/>
+                      </a:solidFill>
+                      <a:prstDash val="solid"/>
+                      <a:round/>
+                      <a:headEnd type="none" w="med" len="med"/>
+                      <a:tailEnd type="none" w="med" len="med"/>
+                    </a:lnT>
+                    <a:lnB w="12700" cap="flat" cmpd="sng" algn="ctr">
+                      <a:solidFill>
+                        <a:schemeClr val="tx1"/>
+                      </a:solidFill>
+                      <a:prstDash val="solid"/>
+                      <a:round/>
+                      <a:headEnd type="none" w="med" len="med"/>
+                      <a:tailEnd type="none" w="med" len="med"/>
+                    </a:lnB>
+                    <a:solidFill>
+                      <a:schemeClr val="accent6">
+                        <a:lumMod val="20000"/>
+                        <a:lumOff val="80000"/>
+                      </a:schemeClr>
+                    </a:solidFill>
+                  </a:tcPr>
+                </a:tc>
+                <a:extLst>
+                  <a:ext uri="{0D108BD9-81ED-4DB2-BD59-A6C34878D82A}">
+                    <a16:rowId xmlns:a16="http://schemas.microsoft.com/office/drawing/2014/main" val="3194099260"/>
+                  </a:ext>
+                </a:extLst>
+              </a:tr>
+              <a:tr h="655461">
+                <a:tc>
+                  <a:txBody>
+                    <a:bodyPr/>
+                    <a:lstStyle/>
+                    <a:p>
+                      <a:r>
+                        <a:rPr lang="en-US" sz="3000" dirty="0"/>
+                        <a:t>25-0686-2015</a:t>
+                      </a:r>
+                      <a:endParaRPr lang="es-SV" sz="3000" dirty="0"/>
+                    </a:p>
+                  </a:txBody>
+                  <a:tcPr anchor="ctr">
+                    <a:lnL w="12700" cap="flat" cmpd="sng" algn="ctr">
+                      <a:solidFill>
+                        <a:schemeClr val="tx1"/>
+                      </a:solidFill>
+                      <a:prstDash val="solid"/>
+                      <a:round/>
+                      <a:headEnd type="none" w="med" len="med"/>
+                      <a:tailEnd type="none" w="med" len="med"/>
+                    </a:lnL>
+                    <a:lnR w="12700" cap="flat" cmpd="sng" algn="ctr">
+                      <a:solidFill>
+                        <a:schemeClr val="tx1"/>
+                      </a:solidFill>
+                      <a:prstDash val="solid"/>
+                      <a:round/>
+                      <a:headEnd type="none" w="med" len="med"/>
+                      <a:tailEnd type="none" w="med" len="med"/>
+                    </a:lnR>
+                    <a:lnT w="12700" cap="flat" cmpd="sng" algn="ctr">
+                      <a:solidFill>
+                        <a:schemeClr val="tx1"/>
+                      </a:solidFill>
+                      <a:prstDash val="solid"/>
+                      <a:round/>
+                      <a:headEnd type="none" w="med" len="med"/>
+                      <a:tailEnd type="none" w="med" len="med"/>
+                    </a:lnT>
+                    <a:lnB w="12700" cap="flat" cmpd="sng" algn="ctr">
+                      <a:solidFill>
+                        <a:schemeClr val="tx1"/>
+                      </a:solidFill>
+                      <a:prstDash val="solid"/>
+                      <a:round/>
+                      <a:headEnd type="none" w="med" len="med"/>
+                      <a:tailEnd type="none" w="med" len="med"/>
+                    </a:lnB>
+                    <a:solidFill>
+                      <a:schemeClr val="accent6">
+                        <a:lumMod val="20000"/>
+                        <a:lumOff val="80000"/>
+                      </a:schemeClr>
+                    </a:solidFill>
+                  </a:tcPr>
+                </a:tc>
+                <a:tc>
+                  <a:txBody>
+                    <a:bodyPr/>
+                    <a:lstStyle/>
+                    <a:p>
+                      <a:r>
+                        <a:rPr lang="en-US" sz="3000" dirty="0"/>
+                        <a:t>Fatima Michelle Molina Garcia</a:t>
+                      </a:r>
+                      <a:endParaRPr lang="es-SV" sz="3000" dirty="0"/>
+                    </a:p>
+                  </a:txBody>
+                  <a:tcPr anchor="b">
+                    <a:lnL w="12700" cap="flat" cmpd="sng" algn="ctr">
+                      <a:solidFill>
+                        <a:schemeClr val="tx1"/>
+                      </a:solidFill>
+                      <a:prstDash val="solid"/>
+                      <a:round/>
+                      <a:headEnd type="none" w="med" len="med"/>
+                      <a:tailEnd type="none" w="med" len="med"/>
+                    </a:lnL>
+                    <a:lnR w="12700" cap="flat" cmpd="sng" algn="ctr">
+                      <a:solidFill>
+                        <a:schemeClr val="tx1"/>
+                      </a:solidFill>
+                      <a:prstDash val="solid"/>
+                      <a:round/>
+                      <a:headEnd type="none" w="med" len="med"/>
+                      <a:tailEnd type="none" w="med" len="med"/>
+                    </a:lnR>
+                    <a:lnT w="12700" cap="flat" cmpd="sng" algn="ctr">
+                      <a:solidFill>
+                        <a:schemeClr val="tx1"/>
+                      </a:solidFill>
+                      <a:prstDash val="solid"/>
+                      <a:round/>
+                      <a:headEnd type="none" w="med" len="med"/>
+                      <a:tailEnd type="none" w="med" len="med"/>
+                    </a:lnT>
+                    <a:lnB w="12700" cap="flat" cmpd="sng" algn="ctr">
+                      <a:solidFill>
+                        <a:schemeClr val="tx1"/>
+                      </a:solidFill>
+                      <a:prstDash val="solid"/>
+                      <a:round/>
+                      <a:headEnd type="none" w="med" len="med"/>
+                      <a:tailEnd type="none" w="med" len="med"/>
+                    </a:lnB>
+                    <a:solidFill>
+                      <a:schemeClr val="accent6">
+                        <a:lumMod val="20000"/>
+                        <a:lumOff val="80000"/>
+                      </a:schemeClr>
+                    </a:solidFill>
+                  </a:tcPr>
+                </a:tc>
+                <a:tc>
+                  <a:txBody>
+                    <a:bodyPr/>
+                    <a:lstStyle/>
+                    <a:p>
+                      <a:r>
+                        <a:rPr lang="es-SV" sz="3000" dirty="0" err="1">
+                          <a:solidFill>
+                            <a:srgbClr val="0070C0"/>
+                          </a:solidFill>
+                        </a:rPr>
+                        <a:t>Cap</a:t>
+                      </a:r>
+                      <a:r>
+                        <a:rPr lang="es-SV" sz="3000" dirty="0">
+                          <a:solidFill>
+                            <a:srgbClr val="0070C0"/>
+                          </a:solidFill>
+                        </a:rPr>
+                        <a:t> 2</a:t>
+                      </a:r>
+                    </a:p>
+                  </a:txBody>
+                  <a:tcPr anchor="b">
+                    <a:lnL w="12700" cap="flat" cmpd="sng" algn="ctr">
+                      <a:solidFill>
+                        <a:schemeClr val="tx1"/>
+                      </a:solidFill>
+                      <a:prstDash val="solid"/>
+                      <a:round/>
+                      <a:headEnd type="none" w="med" len="med"/>
+                      <a:tailEnd type="none" w="med" len="med"/>
+                    </a:lnL>
+                    <a:lnR w="12700" cap="flat" cmpd="sng" algn="ctr">
+                      <a:solidFill>
+                        <a:schemeClr val="tx1"/>
+                      </a:solidFill>
+                      <a:prstDash val="solid"/>
+                      <a:round/>
+                      <a:headEnd type="none" w="med" len="med"/>
+                      <a:tailEnd type="none" w="med" len="med"/>
+                    </a:lnR>
+                    <a:lnT w="12700" cap="flat" cmpd="sng" algn="ctr">
+                      <a:solidFill>
+                        <a:schemeClr val="tx1"/>
+                      </a:solidFill>
+                      <a:prstDash val="solid"/>
+                      <a:round/>
+                      <a:headEnd type="none" w="med" len="med"/>
+                      <a:tailEnd type="none" w="med" len="med"/>
+                    </a:lnT>
+                    <a:lnB w="12700" cap="flat" cmpd="sng" algn="ctr">
+                      <a:solidFill>
+                        <a:schemeClr val="tx1"/>
+                      </a:solidFill>
+                      <a:prstDash val="solid"/>
+                      <a:round/>
+                      <a:headEnd type="none" w="med" len="med"/>
+                      <a:tailEnd type="none" w="med" len="med"/>
+                    </a:lnB>
+                    <a:solidFill>
+                      <a:schemeClr val="accent6">
+                        <a:lumMod val="20000"/>
+                        <a:lumOff val="80000"/>
+                      </a:schemeClr>
+                    </a:solidFill>
+                  </a:tcPr>
+                </a:tc>
+                <a:extLst>
+                  <a:ext uri="{0D108BD9-81ED-4DB2-BD59-A6C34878D82A}">
+                    <a16:rowId xmlns:a16="http://schemas.microsoft.com/office/drawing/2014/main" val="2384180056"/>
+                  </a:ext>
+                </a:extLst>
+              </a:tr>
+              <a:tr h="655461">
+                <a:tc>
+                  <a:txBody>
+                    <a:bodyPr/>
+                    <a:lstStyle/>
+                    <a:p>
+                      <a:r>
+                        <a:rPr lang="en-US" sz="3000" dirty="0"/>
+                        <a:t>25-5902-2015</a:t>
+                      </a:r>
+                      <a:endParaRPr lang="es-SV" sz="3000" dirty="0"/>
+                    </a:p>
+                  </a:txBody>
+                  <a:tcPr anchor="ctr">
+                    <a:lnL w="12700" cap="flat" cmpd="sng" algn="ctr">
+                      <a:solidFill>
+                        <a:schemeClr val="tx1"/>
+                      </a:solidFill>
+                      <a:prstDash val="solid"/>
+                      <a:round/>
+                      <a:headEnd type="none" w="med" len="med"/>
+                      <a:tailEnd type="none" w="med" len="med"/>
+                    </a:lnL>
+                    <a:lnR w="12700" cap="flat" cmpd="sng" algn="ctr">
+                      <a:solidFill>
+                        <a:schemeClr val="tx1"/>
+                      </a:solidFill>
+                      <a:prstDash val="solid"/>
+                      <a:round/>
+                      <a:headEnd type="none" w="med" len="med"/>
+                      <a:tailEnd type="none" w="med" len="med"/>
+                    </a:lnR>
+                    <a:lnT w="12700" cap="flat" cmpd="sng" algn="ctr">
+                      <a:solidFill>
+                        <a:schemeClr val="tx1"/>
+                      </a:solidFill>
+                      <a:prstDash val="solid"/>
+                      <a:round/>
+                      <a:headEnd type="none" w="med" len="med"/>
+                      <a:tailEnd type="none" w="med" len="med"/>
+                    </a:lnT>
+                    <a:lnB w="12700" cap="flat" cmpd="sng" algn="ctr">
+                      <a:solidFill>
+                        <a:schemeClr val="tx1"/>
+                      </a:solidFill>
+                      <a:prstDash val="solid"/>
+                      <a:round/>
+                      <a:headEnd type="none" w="med" len="med"/>
+                      <a:tailEnd type="none" w="med" len="med"/>
+                    </a:lnB>
+                    <a:solidFill>
+                      <a:schemeClr val="accent6">
+                        <a:lumMod val="20000"/>
+                        <a:lumOff val="80000"/>
+                      </a:schemeClr>
+                    </a:solidFill>
+                  </a:tcPr>
+                </a:tc>
+                <a:tc>
+                  <a:txBody>
+                    <a:bodyPr/>
+                    <a:lstStyle/>
+                    <a:p>
+                      <a:r>
+                        <a:rPr lang="en-US" sz="3000" dirty="0"/>
+                        <a:t>Victor Manuel Rodriguez Aguiluz</a:t>
+                      </a:r>
+                      <a:endParaRPr lang="es-SV" sz="3000" dirty="0"/>
+                    </a:p>
+                  </a:txBody>
+                  <a:tcPr anchor="b">
+                    <a:lnL w="12700" cap="flat" cmpd="sng" algn="ctr">
+                      <a:solidFill>
+                        <a:schemeClr val="tx1"/>
+                      </a:solidFill>
+                      <a:prstDash val="solid"/>
+                      <a:round/>
+                      <a:headEnd type="none" w="med" len="med"/>
+                      <a:tailEnd type="none" w="med" len="med"/>
+                    </a:lnL>
+                    <a:lnR w="12700" cap="flat" cmpd="sng" algn="ctr">
+                      <a:solidFill>
+                        <a:schemeClr val="tx1"/>
+                      </a:solidFill>
+                      <a:prstDash val="solid"/>
+                      <a:round/>
+                      <a:headEnd type="none" w="med" len="med"/>
+                      <a:tailEnd type="none" w="med" len="med"/>
+                    </a:lnR>
+                    <a:lnT w="12700" cap="flat" cmpd="sng" algn="ctr">
+                      <a:solidFill>
+                        <a:schemeClr val="tx1"/>
+                      </a:solidFill>
+                      <a:prstDash val="solid"/>
+                      <a:round/>
+                      <a:headEnd type="none" w="med" len="med"/>
+                      <a:tailEnd type="none" w="med" len="med"/>
+                    </a:lnT>
+                    <a:lnB w="12700" cap="flat" cmpd="sng" algn="ctr">
+                      <a:solidFill>
+                        <a:schemeClr val="tx1"/>
+                      </a:solidFill>
+                      <a:prstDash val="solid"/>
+                      <a:round/>
+                      <a:headEnd type="none" w="med" len="med"/>
+                      <a:tailEnd type="none" w="med" len="med"/>
+                    </a:lnB>
+                    <a:solidFill>
+                      <a:schemeClr val="accent6">
+                        <a:lumMod val="20000"/>
+                        <a:lumOff val="80000"/>
+                      </a:schemeClr>
+                    </a:solidFill>
+                  </a:tcPr>
+                </a:tc>
+                <a:tc>
+                  <a:txBody>
+                    <a:bodyPr/>
+                    <a:lstStyle/>
+                    <a:p>
+                      <a:r>
+                        <a:rPr lang="es-SV" sz="3000" dirty="0" err="1">
+                          <a:solidFill>
+                            <a:srgbClr val="0070C0"/>
+                          </a:solidFill>
+                        </a:rPr>
+                        <a:t>Cap</a:t>
+                      </a:r>
+                      <a:r>
+                        <a:rPr lang="es-SV" sz="3000" dirty="0">
+                          <a:solidFill>
+                            <a:srgbClr val="0070C0"/>
+                          </a:solidFill>
+                        </a:rPr>
+                        <a:t> 1</a:t>
+                      </a:r>
+                    </a:p>
+                  </a:txBody>
+                  <a:tcPr anchor="b">
+                    <a:lnL w="12700" cap="flat" cmpd="sng" algn="ctr">
+                      <a:solidFill>
+                        <a:schemeClr val="tx1"/>
+                      </a:solidFill>
+                      <a:prstDash val="solid"/>
+                      <a:round/>
+                      <a:headEnd type="none" w="med" len="med"/>
+                      <a:tailEnd type="none" w="med" len="med"/>
+                    </a:lnL>
+                    <a:lnR w="12700" cap="flat" cmpd="sng" algn="ctr">
+                      <a:solidFill>
+                        <a:schemeClr val="tx1"/>
+                      </a:solidFill>
+                      <a:prstDash val="solid"/>
+                      <a:round/>
+                      <a:headEnd type="none" w="med" len="med"/>
+                      <a:tailEnd type="none" w="med" len="med"/>
+                    </a:lnR>
+                    <a:lnT w="12700" cap="flat" cmpd="sng" algn="ctr">
+                      <a:solidFill>
+                        <a:schemeClr val="tx1"/>
+                      </a:solidFill>
+                      <a:prstDash val="solid"/>
+                      <a:round/>
+                      <a:headEnd type="none" w="med" len="med"/>
+                      <a:tailEnd type="none" w="med" len="med"/>
+                    </a:lnT>
+                    <a:lnB w="12700" cap="flat" cmpd="sng" algn="ctr">
+                      <a:solidFill>
+                        <a:schemeClr val="tx1"/>
+                      </a:solidFill>
+                      <a:prstDash val="solid"/>
+                      <a:round/>
+                      <a:headEnd type="none" w="med" len="med"/>
+                      <a:tailEnd type="none" w="med" len="med"/>
+                    </a:lnB>
+                    <a:solidFill>
+                      <a:schemeClr val="accent6">
+                        <a:lumMod val="20000"/>
+                        <a:lumOff val="80000"/>
+                      </a:schemeClr>
+                    </a:solidFill>
+                  </a:tcPr>
+                </a:tc>
+                <a:extLst>
+                  <a:ext uri="{0D108BD9-81ED-4DB2-BD59-A6C34878D82A}">
+                    <a16:rowId xmlns:a16="http://schemas.microsoft.com/office/drawing/2014/main" val="797959742"/>
+                  </a:ext>
+                </a:extLst>
+              </a:tr>
+            </a:tbl>
+          </a:graphicData>
+        </a:graphic>
+      </p:graphicFrame>
+    </p:spTree>
+    <p:extLst>
+      <p:ext uri="{BB962C8B-B14F-4D97-AF65-F5344CB8AC3E}">
+        <p14:creationId xmlns:p14="http://schemas.microsoft.com/office/powerpoint/2010/main" val="298511794"/>
+      </p:ext>
+    </p:extLst>
+  </p:cSld>
+  <p:clrMapOvr>
+    <a:masterClrMapping/>
+  </p:clrMapOvr>
+</p:sld>
+</file>
+
+<file path=ppt/slides/slide3.xml><?xml version="1.0" encoding="utf-8"?>
+<p:sld xmlns:a="http://schemas.openxmlformats.org/drawingml/2006/main" xmlns:r="http://schemas.openxmlformats.org/officeDocument/2006/relationships" xmlns:p="http://schemas.openxmlformats.org/presentationml/2006/main">
+  <p:cSld>
+    <p:bg>
+      <p:bgPr>
+        <a:solidFill>
+          <a:schemeClr val="bg1"/>
+        </a:solidFill>
+        <a:effectLst/>
+      </p:bgPr>
+    </p:bg>
+    <p:spTree>
+      <p:nvGrpSpPr>
+        <p:cNvPr id="1" name=""/>
+        <p:cNvGrpSpPr/>
+        <p:nvPr/>
+      </p:nvGrpSpPr>
+      <p:grpSpPr>
+        <a:xfrm>
+          <a:off x="0" y="0"/>
+          <a:ext cx="0" cy="0"/>
+          <a:chOff x="0" y="0"/>
+          <a:chExt cx="0" cy="0"/>
+        </a:xfrm>
+      </p:grpSpPr>
+      <p:sp useBgFill="1">
+        <p:nvSpPr>
+          <p:cNvPr id="1031" name="Rectangle 1030">
+            <a:extLst>
+              <a:ext uri="{FF2B5EF4-FFF2-40B4-BE49-F238E27FC236}">
+                <a16:creationId xmlns:a16="http://schemas.microsoft.com/office/drawing/2014/main" id="{201CC55D-ED54-4C5C-95E6-10947BD1103B}"/>
+              </a:ext>
+              <a:ext uri="{C183D7F6-B498-43B3-948B-1728B52AA6E4}">
+                <adec:decorative xmlns:adec="http://schemas.microsoft.com/office/drawing/2017/decorative" val="1"/>
+              </a:ext>
+            </a:extLst>
+          </p:cNvPr>
+          <p:cNvSpPr>
+            <a:spLocks noGrp="1" noRot="1" noChangeAspect="1" noMove="1" noResize="1" noEditPoints="1" noAdjustHandles="1" noChangeArrowheads="1" noChangeShapeType="1" noTextEdit="1"/>
+          </p:cNvSpPr>
+          <p:nvPr>
+            <p:extLst>
+              <p:ext uri="{386F3935-93C4-4BCD-93E2-E3B085C9AB24}">
+                <p16:designElem xmlns:p16="http://schemas.microsoft.com/office/powerpoint/2015/main" val="1"/>
+              </p:ext>
+            </p:extLst>
+          </p:nvPr>
+        </p:nvSpPr>
+        <p:spPr>
+          <a:xfrm>
+            <a:off x="0" y="0"/>
+            <a:ext cx="12191999" cy="6857365"/>
+          </a:xfrm>
+          <a:prstGeom prst="rect">
+            <a:avLst/>
+          </a:prstGeom>
+          <a:ln>
+            <a:noFill/>
+          </a:ln>
+        </p:spPr>
+        <p:style>
+          <a:lnRef idx="2">
+            <a:schemeClr val="accent1">
+              <a:shade val="50000"/>
+            </a:schemeClr>
+          </a:lnRef>
+          <a:fillRef idx="1">
+            <a:schemeClr val="accent1"/>
+          </a:fillRef>
+          <a:effectRef idx="0">
+            <a:schemeClr val="accent1"/>
+          </a:effectRef>
+          <a:fontRef idx="minor">
+            <a:schemeClr val="lt1"/>
+          </a:fontRef>
+        </p:style>
+        <p:txBody>
+          <a:bodyPr rtlCol="0" anchor="ctr"/>
+          <a:lstStyle/>
+          <a:p>
+            <a:pPr algn="ctr"/>
+            <a:endParaRPr lang="en-US"/>
+          </a:p>
+        </p:txBody>
+      </p:sp>
       <p:sp>
         <p:nvSpPr>
           <p:cNvPr id="5" name="Título 4">
@@ -8415,54 +9661,246 @@
         </p:nvSpPr>
         <p:spPr>
           <a:xfrm>
-            <a:off x="1676400" y="0"/>
-            <a:ext cx="10515600" cy="843915"/>
+            <a:off x="589560" y="856180"/>
+            <a:ext cx="4560584" cy="1128068"/>
           </a:xfrm>
-          <a:solidFill>
-            <a:schemeClr val="tx1"/>
-          </a:solidFill>
         </p:spPr>
         <p:txBody>
-          <a:bodyPr/>
+          <a:bodyPr anchor="ctr">
+            <a:normAutofit/>
+          </a:bodyPr>
           <a:lstStyle/>
           <a:p>
             <a:r>
-              <a:rPr lang="en-US" b="1" dirty="0">
-                <a:solidFill>
-                  <a:schemeClr val="bg1"/>
-                </a:solidFill>
-              </a:rPr>
+              <a:rPr lang="en-US" sz="3100" b="1" dirty="0"/>
               <a:t>CAPITULO I – </a:t>
             </a:r>
             <a:r>
-              <a:rPr lang="es-SV" b="1" dirty="0">
-                <a:solidFill>
-                  <a:schemeClr val="bg1"/>
-                </a:solidFill>
-              </a:rPr>
+              <a:rPr lang="es-SV" sz="3100" b="1" dirty="0"/>
               <a:t>Especificación</a:t>
             </a:r>
             <a:r>
-              <a:rPr lang="en-US" b="1" dirty="0">
-                <a:solidFill>
-                  <a:schemeClr val="bg1"/>
-                </a:solidFill>
-              </a:rPr>
-              <a:t> del </a:t>
+              <a:rPr lang="en-US" sz="3100" b="1" dirty="0"/>
+              <a:t> del Proyecto</a:t>
             </a:r>
-            <a:r>
-              <a:rPr lang="en-US" b="1" dirty="0" err="1">
-                <a:solidFill>
-                  <a:schemeClr val="bg1"/>
-                </a:solidFill>
-              </a:rPr>
-              <a:t>proyecto</a:t>
-            </a:r>
-            <a:endParaRPr lang="es-SV" b="1" dirty="0">
-              <a:solidFill>
-                <a:schemeClr val="bg1"/>
-              </a:solidFill>
-            </a:endParaRPr>
+            <a:endParaRPr lang="es-SV" sz="3100" b="1" dirty="0"/>
+          </a:p>
+        </p:txBody>
+      </p:sp>
+      <p:grpSp>
+        <p:nvGrpSpPr>
+          <p:cNvPr id="1033" name="Group 1032">
+            <a:extLst>
+              <a:ext uri="{FF2B5EF4-FFF2-40B4-BE49-F238E27FC236}">
+                <a16:creationId xmlns:a16="http://schemas.microsoft.com/office/drawing/2014/main" id="{1DE889C7-FAD6-4397-98E2-05D503484459}"/>
+              </a:ext>
+              <a:ext uri="{C183D7F6-B498-43B3-948B-1728B52AA6E4}">
+                <adec:decorative xmlns:adec="http://schemas.microsoft.com/office/drawing/2017/decorative" val="1"/>
+              </a:ext>
+            </a:extLst>
+          </p:cNvPr>
+          <p:cNvGrpSpPr>
+            <a:grpSpLocks noGrp="1" noUngrp="1" noRot="1" noChangeAspect="1" noMove="1" noResize="1"/>
+          </p:cNvGrpSpPr>
+          <p:nvPr>
+            <p:extLst>
+              <p:ext uri="{386F3935-93C4-4BCD-93E2-E3B085C9AB24}">
+                <p16:designElem xmlns:p16="http://schemas.microsoft.com/office/powerpoint/2015/main" val="1"/>
+              </p:ext>
+            </p:extLst>
+          </p:nvPr>
+        </p:nvGrpSpPr>
+        <p:grpSpPr>
+          <a:xfrm>
+            <a:off x="0" y="1083484"/>
+            <a:ext cx="355196" cy="673460"/>
+            <a:chOff x="0" y="823811"/>
+            <a:chExt cx="355196" cy="673460"/>
+          </a:xfrm>
+        </p:grpSpPr>
+        <p:sp>
+          <p:nvSpPr>
+            <p:cNvPr id="1034" name="Rectangle 1033">
+              <a:extLst>
+                <a:ext uri="{FF2B5EF4-FFF2-40B4-BE49-F238E27FC236}">
+                  <a16:creationId xmlns:a16="http://schemas.microsoft.com/office/drawing/2014/main" id="{F399A70F-F8CD-4992-9EF5-6CF15472E73F}"/>
+                </a:ext>
+                <a:ext uri="{C183D7F6-B498-43B3-948B-1728B52AA6E4}">
+                  <adec:decorative xmlns:adec="http://schemas.microsoft.com/office/drawing/2017/decorative" val="1"/>
+                </a:ext>
+              </a:extLst>
+            </p:cNvPr>
+            <p:cNvSpPr/>
+            <p:nvPr>
+              <p:extLst>
+                <p:ext uri="{386F3935-93C4-4BCD-93E2-E3B085C9AB24}">
+                  <p16:designElem xmlns:p16="http://schemas.microsoft.com/office/powerpoint/2015/main" val="1"/>
+                </p:ext>
+              </p:extLst>
+            </p:nvPr>
+          </p:nvSpPr>
+          <p:spPr>
+            <a:xfrm>
+              <a:off x="0" y="823811"/>
+              <a:ext cx="87363" cy="673460"/>
+            </a:xfrm>
+            <a:prstGeom prst="rect">
+              <a:avLst/>
+            </a:prstGeom>
+            <a:solidFill>
+              <a:schemeClr val="accent4"/>
+            </a:solidFill>
+            <a:ln>
+              <a:noFill/>
+            </a:ln>
+          </p:spPr>
+          <p:style>
+            <a:lnRef idx="2">
+              <a:schemeClr val="accent1">
+                <a:shade val="50000"/>
+              </a:schemeClr>
+            </a:lnRef>
+            <a:fillRef idx="1">
+              <a:schemeClr val="accent1"/>
+            </a:fillRef>
+            <a:effectRef idx="0">
+              <a:schemeClr val="accent1"/>
+            </a:effectRef>
+            <a:fontRef idx="minor">
+              <a:schemeClr val="lt1"/>
+            </a:fontRef>
+          </p:style>
+          <p:txBody>
+            <a:bodyPr rtlCol="0" anchor="ctr"/>
+            <a:lstStyle/>
+            <a:p>
+              <a:pPr algn="ctr"/>
+              <a:endParaRPr lang="en-US"/>
+            </a:p>
+          </p:txBody>
+        </p:sp>
+        <p:sp>
+          <p:nvSpPr>
+            <p:cNvPr id="1035" name="Rectangle 1034">
+              <a:extLst>
+                <a:ext uri="{FF2B5EF4-FFF2-40B4-BE49-F238E27FC236}">
+                  <a16:creationId xmlns:a16="http://schemas.microsoft.com/office/drawing/2014/main" id="{48F4FEDC-6D80-458C-A665-075D9B9500FD}"/>
+                </a:ext>
+                <a:ext uri="{C183D7F6-B498-43B3-948B-1728B52AA6E4}">
+                  <adec:decorative xmlns:adec="http://schemas.microsoft.com/office/drawing/2017/decorative" val="1"/>
+                </a:ext>
+              </a:extLst>
+            </p:cNvPr>
+            <p:cNvSpPr/>
+            <p:nvPr>
+              <p:extLst>
+                <p:ext uri="{386F3935-93C4-4BCD-93E2-E3B085C9AB24}">
+                  <p16:designElem xmlns:p16="http://schemas.microsoft.com/office/powerpoint/2015/main" val="1"/>
+                </p:ext>
+              </p:extLst>
+            </p:nvPr>
+          </p:nvSpPr>
+          <p:spPr>
+            <a:xfrm>
+              <a:off x="159341" y="823811"/>
+              <a:ext cx="195855" cy="673460"/>
+            </a:xfrm>
+            <a:prstGeom prst="rect">
+              <a:avLst/>
+            </a:prstGeom>
+            <a:solidFill>
+              <a:schemeClr val="accent4"/>
+            </a:solidFill>
+            <a:ln>
+              <a:noFill/>
+            </a:ln>
+          </p:spPr>
+          <p:style>
+            <a:lnRef idx="2">
+              <a:schemeClr val="accent1">
+                <a:shade val="50000"/>
+              </a:schemeClr>
+            </a:lnRef>
+            <a:fillRef idx="1">
+              <a:schemeClr val="accent1"/>
+            </a:fillRef>
+            <a:effectRef idx="0">
+              <a:schemeClr val="accent1"/>
+            </a:effectRef>
+            <a:fontRef idx="minor">
+              <a:schemeClr val="lt1"/>
+            </a:fontRef>
+          </p:style>
+          <p:txBody>
+            <a:bodyPr rtlCol="0" anchor="ctr"/>
+            <a:lstStyle/>
+            <a:p>
+              <a:pPr algn="ctr"/>
+              <a:endParaRPr lang="en-US"/>
+            </a:p>
+          </p:txBody>
+        </p:sp>
+      </p:grpSp>
+      <p:sp>
+        <p:nvSpPr>
+          <p:cNvPr id="1037" name="Rectangle 1036">
+            <a:extLst>
+              <a:ext uri="{FF2B5EF4-FFF2-40B4-BE49-F238E27FC236}">
+                <a16:creationId xmlns:a16="http://schemas.microsoft.com/office/drawing/2014/main" id="{3873B707-463F-40B0-8227-E8CC6C67EB25}"/>
+              </a:ext>
+              <a:ext uri="{C183D7F6-B498-43B3-948B-1728B52AA6E4}">
+                <adec:decorative xmlns:adec="http://schemas.microsoft.com/office/drawing/2017/decorative" val="1"/>
+              </a:ext>
+            </a:extLst>
+          </p:cNvPr>
+          <p:cNvSpPr>
+            <a:spLocks noGrp="1" noRot="1" noChangeAspect="1" noMove="1" noResize="1" noEditPoints="1" noAdjustHandles="1" noChangeArrowheads="1" noChangeShapeType="1" noTextEdit="1"/>
+          </p:cNvSpPr>
+          <p:nvPr>
+            <p:extLst>
+              <p:ext uri="{386F3935-93C4-4BCD-93E2-E3B085C9AB24}">
+                <p16:designElem xmlns:p16="http://schemas.microsoft.com/office/powerpoint/2015/main" val="1"/>
+              </p:ext>
+            </p:extLst>
+          </p:nvPr>
+        </p:nvSpPr>
+        <p:spPr>
+          <a:xfrm flipH="1">
+            <a:off x="665085" y="2090569"/>
+            <a:ext cx="4297680" cy="27432"/>
+          </a:xfrm>
+          <a:prstGeom prst="rect">
+            <a:avLst/>
+          </a:prstGeom>
+          <a:solidFill>
+            <a:schemeClr val="accent4"/>
+          </a:solidFill>
+          <a:ln>
+            <a:noFill/>
+          </a:ln>
+        </p:spPr>
+        <p:style>
+          <a:lnRef idx="2">
+            <a:schemeClr val="accent1">
+              <a:shade val="50000"/>
+            </a:schemeClr>
+          </a:lnRef>
+          <a:fillRef idx="1">
+            <a:schemeClr val="accent1"/>
+          </a:fillRef>
+          <a:effectRef idx="0">
+            <a:schemeClr val="accent1"/>
+          </a:effectRef>
+          <a:fontRef idx="minor">
+            <a:schemeClr val="lt1"/>
+          </a:fontRef>
+        </p:style>
+        <p:txBody>
+          <a:bodyPr rtlCol="0" anchor="ctr"/>
+          <a:lstStyle/>
+          <a:p>
+            <a:pPr algn="ctr"/>
+            <a:endParaRPr lang="en-US"/>
           </a:p>
         </p:txBody>
       </p:sp>
@@ -8482,58 +9920,243 @@
             <p:ph idx="1"/>
           </p:nvPr>
         </p:nvSpPr>
-        <p:spPr/>
+        <p:spPr>
+          <a:xfrm>
+            <a:off x="590719" y="2330505"/>
+            <a:ext cx="4559425" cy="3979585"/>
+          </a:xfrm>
+        </p:spPr>
         <p:txBody>
-          <a:bodyPr/>
+          <a:bodyPr anchor="ctr">
+            <a:normAutofit/>
+          </a:bodyPr>
           <a:lstStyle/>
           <a:p>
             <a:r>
-              <a:rPr lang="es-SV" dirty="0"/>
+              <a:rPr lang="es-SV" sz="2000"/>
               <a:t>Situación</a:t>
             </a:r>
             <a:r>
-              <a:rPr lang="en-US" dirty="0"/>
+              <a:rPr lang="en-US" sz="2000"/>
               <a:t> actual</a:t>
             </a:r>
           </a:p>
           <a:p>
             <a:r>
-              <a:rPr lang="en-US" dirty="0"/>
+              <a:rPr lang="en-US" sz="2000"/>
               <a:t>Tema</a:t>
             </a:r>
           </a:p>
           <a:p>
             <a:r>
-              <a:rPr lang="es-SV" dirty="0"/>
+              <a:rPr lang="es-SV" sz="2000"/>
               <a:t>Alcances</a:t>
             </a:r>
           </a:p>
           <a:p>
             <a:r>
-              <a:rPr lang="es-SV" dirty="0"/>
+              <a:rPr lang="es-SV" sz="2000"/>
               <a:t>Limitantes</a:t>
             </a:r>
           </a:p>
           <a:p>
             <a:r>
-              <a:rPr lang="es-SV" dirty="0"/>
+              <a:rPr lang="es-SV" sz="2000"/>
               <a:t>Justificación</a:t>
             </a:r>
           </a:p>
           <a:p>
             <a:r>
-              <a:rPr lang="es-SV" dirty="0"/>
+              <a:rPr lang="es-SV" sz="2000"/>
               <a:t>Cronograma</a:t>
             </a:r>
           </a:p>
           <a:p>
             <a:r>
-              <a:rPr lang="es-SV" dirty="0"/>
+              <a:rPr lang="es-SV" sz="2000"/>
               <a:t>Presupuesto</a:t>
             </a:r>
           </a:p>
         </p:txBody>
       </p:sp>
+      <p:sp>
+        <p:nvSpPr>
+          <p:cNvPr id="1039" name="Rectangle 1038">
+            <a:extLst>
+              <a:ext uri="{FF2B5EF4-FFF2-40B4-BE49-F238E27FC236}">
+                <a16:creationId xmlns:a16="http://schemas.microsoft.com/office/drawing/2014/main" id="{C13237C8-E62C-4F0D-A318-BD6FB6C2D138}"/>
+              </a:ext>
+              <a:ext uri="{C183D7F6-B498-43B3-948B-1728B52AA6E4}">
+                <adec:decorative xmlns:adec="http://schemas.microsoft.com/office/drawing/2017/decorative" val="1"/>
+              </a:ext>
+            </a:extLst>
+          </p:cNvPr>
+          <p:cNvSpPr>
+            <a:spLocks noGrp="1" noRot="1" noChangeAspect="1" noMove="1" noResize="1" noEditPoints="1" noAdjustHandles="1" noChangeArrowheads="1" noChangeShapeType="1" noTextEdit="1"/>
+          </p:cNvSpPr>
+          <p:nvPr>
+            <p:extLst>
+              <p:ext uri="{386F3935-93C4-4BCD-93E2-E3B085C9AB24}">
+                <p16:designElem xmlns:p16="http://schemas.microsoft.com/office/powerpoint/2015/main" val="1"/>
+              </p:ext>
+            </p:extLst>
+          </p:nvPr>
+        </p:nvSpPr>
+        <p:spPr>
+          <a:xfrm flipH="1">
+            <a:off x="10697670" y="0"/>
+            <a:ext cx="1494330" cy="6858000"/>
+          </a:xfrm>
+          <a:prstGeom prst="rect">
+            <a:avLst/>
+          </a:prstGeom>
+          <a:solidFill>
+            <a:schemeClr val="accent4"/>
+          </a:solidFill>
+          <a:ln>
+            <a:noFill/>
+          </a:ln>
+        </p:spPr>
+        <p:style>
+          <a:lnRef idx="2">
+            <a:schemeClr val="accent1">
+              <a:shade val="50000"/>
+            </a:schemeClr>
+          </a:lnRef>
+          <a:fillRef idx="1">
+            <a:schemeClr val="accent1"/>
+          </a:fillRef>
+          <a:effectRef idx="0">
+            <a:schemeClr val="accent1"/>
+          </a:effectRef>
+          <a:fontRef idx="minor">
+            <a:schemeClr val="lt1"/>
+          </a:fontRef>
+        </p:style>
+        <p:txBody>
+          <a:bodyPr rtlCol="0" anchor="ctr"/>
+          <a:lstStyle/>
+          <a:p>
+            <a:pPr algn="ctr"/>
+            <a:endParaRPr lang="en-US"/>
+          </a:p>
+        </p:txBody>
+      </p:sp>
+      <p:sp>
+        <p:nvSpPr>
+          <p:cNvPr id="1041" name="Rectangle 1040">
+            <a:extLst>
+              <a:ext uri="{FF2B5EF4-FFF2-40B4-BE49-F238E27FC236}">
+                <a16:creationId xmlns:a16="http://schemas.microsoft.com/office/drawing/2014/main" id="{19C9EAEA-39D0-4B0E-A0EB-51E7B26740B1}"/>
+              </a:ext>
+              <a:ext uri="{C183D7F6-B498-43B3-948B-1728B52AA6E4}">
+                <adec:decorative xmlns:adec="http://schemas.microsoft.com/office/drawing/2017/decorative" val="1"/>
+              </a:ext>
+            </a:extLst>
+          </p:cNvPr>
+          <p:cNvSpPr>
+            <a:spLocks noGrp="1" noRot="1" noChangeAspect="1" noMove="1" noResize="1" noEditPoints="1" noAdjustHandles="1" noChangeArrowheads="1" noChangeShapeType="1" noTextEdit="1"/>
+          </p:cNvSpPr>
+          <p:nvPr>
+            <p:extLst>
+              <p:ext uri="{386F3935-93C4-4BCD-93E2-E3B085C9AB24}">
+                <p16:designElem xmlns:p16="http://schemas.microsoft.com/office/powerpoint/2015/main" val="1"/>
+              </p:ext>
+            </p:extLst>
+          </p:nvPr>
+        </p:nvSpPr>
+        <p:spPr>
+          <a:xfrm>
+            <a:off x="5685810" y="513853"/>
+            <a:ext cx="6009366" cy="5834577"/>
+          </a:xfrm>
+          <a:prstGeom prst="rect">
+            <a:avLst/>
+          </a:prstGeom>
+          <a:solidFill>
+            <a:schemeClr val="bg1"/>
+          </a:solidFill>
+          <a:ln>
+            <a:noFill/>
+          </a:ln>
+          <a:effectLst>
+            <a:outerShdw blurRad="139700" dist="127000" dir="5400000" algn="t" rotWithShape="0">
+              <a:prstClr val="black">
+                <a:alpha val="15000"/>
+              </a:prstClr>
+            </a:outerShdw>
+          </a:effectLst>
+        </p:spPr>
+        <p:style>
+          <a:lnRef idx="2">
+            <a:schemeClr val="accent1">
+              <a:shade val="50000"/>
+            </a:schemeClr>
+          </a:lnRef>
+          <a:fillRef idx="1">
+            <a:schemeClr val="accent1"/>
+          </a:fillRef>
+          <a:effectRef idx="0">
+            <a:schemeClr val="accent1"/>
+          </a:effectRef>
+          <a:fontRef idx="minor">
+            <a:schemeClr val="lt1"/>
+          </a:fontRef>
+        </p:style>
+        <p:txBody>
+          <a:bodyPr rtlCol="0" anchor="ctr"/>
+          <a:lstStyle/>
+          <a:p>
+            <a:pPr algn="ctr"/>
+            <a:endParaRPr lang="en-US"/>
+          </a:p>
+        </p:txBody>
+      </p:sp>
+      <p:pic>
+        <p:nvPicPr>
+          <p:cNvPr id="1026" name="Picture 2" descr="Sitio web móvil o Aplicación móvil ¿Cual es mejor para mi? - Wibxi">
+            <a:extLst>
+              <a:ext uri="{FF2B5EF4-FFF2-40B4-BE49-F238E27FC236}">
+                <a16:creationId xmlns:a16="http://schemas.microsoft.com/office/drawing/2014/main" id="{C293F31A-8B33-E4FD-6695-61A98C33B9B3}"/>
+              </a:ext>
+            </a:extLst>
+          </p:cNvPr>
+          <p:cNvPicPr>
+            <a:picLocks noChangeAspect="1" noChangeArrowheads="1"/>
+          </p:cNvPicPr>
+          <p:nvPr/>
+        </p:nvPicPr>
+        <p:blipFill rotWithShape="1">
+          <a:blip r:embed="rId2">
+            <a:extLst>
+              <a:ext uri="{28A0092B-C50C-407E-A947-70E740481C1C}">
+                <a14:useLocalDpi xmlns:a14="http://schemas.microsoft.com/office/drawing/2010/main" val="0"/>
+              </a:ext>
+            </a:extLst>
+          </a:blip>
+          <a:srcRect l="4322" r="6964" b="2"/>
+          <a:stretch/>
+        </p:blipFill>
+        <p:spPr bwMode="auto">
+          <a:xfrm>
+            <a:off x="5977788" y="799352"/>
+            <a:ext cx="5425410" cy="5259296"/>
+          </a:xfrm>
+          <a:prstGeom prst="rect">
+            <a:avLst/>
+          </a:prstGeom>
+          <a:noFill/>
+          <a:extLst>
+            <a:ext uri="{909E8E84-426E-40DD-AFC4-6F175D3DCCD1}">
+              <a14:hiddenFill xmlns:a14="http://schemas.microsoft.com/office/drawing/2010/main">
+                <a:solidFill>
+                  <a:srgbClr val="FFFFFF"/>
+                </a:solidFill>
+              </a14:hiddenFill>
+            </a:ext>
+          </a:extLst>
+        </p:spPr>
+      </p:pic>
     </p:spTree>
     <p:extLst>
       <p:ext uri="{BB962C8B-B14F-4D97-AF65-F5344CB8AC3E}">
@@ -8547,7 +10170,7 @@
 </p:sld>
 </file>
 
-<file path=ppt/slides/slide3.xml><?xml version="1.0" encoding="utf-8"?>
+<file path=ppt/slides/slide4.xml><?xml version="1.0" encoding="utf-8"?>
 <p:sld xmlns:a="http://schemas.openxmlformats.org/drawingml/2006/main" xmlns:r="http://schemas.openxmlformats.org/officeDocument/2006/relationships" xmlns:p="http://schemas.openxmlformats.org/presentationml/2006/main">
   <p:cSld>
     <p:spTree>
@@ -8657,7 +10280,7 @@
 </p:sld>
 </file>
 
-<file path=ppt/slides/slide4.xml><?xml version="1.0" encoding="utf-8"?>
+<file path=ppt/slides/slide5.xml><?xml version="1.0" encoding="utf-8"?>
 <p:sld xmlns:a="http://schemas.openxmlformats.org/drawingml/2006/main" xmlns:r="http://schemas.openxmlformats.org/officeDocument/2006/relationships" xmlns:p="http://schemas.openxmlformats.org/presentationml/2006/main">
   <p:cSld>
     <p:spTree>
@@ -8762,9 +10385,17 @@
 </p:sld>
 </file>
 
-<file path=ppt/slides/slide5.xml><?xml version="1.0" encoding="utf-8"?>
+<file path=ppt/slides/slide6.xml><?xml version="1.0" encoding="utf-8"?>
 <p:sld xmlns:a="http://schemas.openxmlformats.org/drawingml/2006/main" xmlns:r="http://schemas.openxmlformats.org/officeDocument/2006/relationships" xmlns:p="http://schemas.openxmlformats.org/presentationml/2006/main">
   <p:cSld>
+    <p:bg>
+      <p:bgPr>
+        <a:solidFill>
+          <a:schemeClr val="bg1"/>
+        </a:solidFill>
+        <a:effectLst/>
+      </p:bgPr>
+    </p:bg>
     <p:spTree>
       <p:nvGrpSpPr>
         <p:cNvPr id="1" name=""/>
@@ -8779,6 +10410,66 @@
           <a:chExt cx="0" cy="0"/>
         </a:xfrm>
       </p:grpSpPr>
+      <p:sp useBgFill="1">
+        <p:nvSpPr>
+          <p:cNvPr id="2064" name="Rectangle 2054">
+            <a:extLst>
+              <a:ext uri="{FF2B5EF4-FFF2-40B4-BE49-F238E27FC236}">
+                <a16:creationId xmlns:a16="http://schemas.microsoft.com/office/drawing/2014/main" id="{DBC6133C-0615-4CE4-9132-37E609A9BDFA}"/>
+              </a:ext>
+              <a:ext uri="{C183D7F6-B498-43B3-948B-1728B52AA6E4}">
+                <adec:decorative xmlns:adec="http://schemas.microsoft.com/office/drawing/2017/decorative" val="1"/>
+              </a:ext>
+            </a:extLst>
+          </p:cNvPr>
+          <p:cNvSpPr>
+            <a:spLocks noGrp="1" noRot="1" noChangeAspect="1" noMove="1" noResize="1" noEditPoints="1" noAdjustHandles="1" noChangeArrowheads="1" noChangeShapeType="1" noTextEdit="1"/>
+          </p:cNvSpPr>
+          <p:nvPr>
+            <p:extLst>
+              <p:ext uri="{386F3935-93C4-4BCD-93E2-E3B085C9AB24}">
+                <p16:designElem xmlns:p16="http://schemas.microsoft.com/office/powerpoint/2015/main" val="1"/>
+              </p:ext>
+            </p:extLst>
+          </p:nvPr>
+        </p:nvSpPr>
+        <p:spPr>
+          <a:xfrm>
+            <a:off x="0" y="0"/>
+            <a:ext cx="12191999" cy="6857365"/>
+          </a:xfrm>
+          <a:prstGeom prst="rect">
+            <a:avLst/>
+          </a:prstGeom>
+          <a:ln>
+            <a:noFill/>
+          </a:ln>
+        </p:spPr>
+        <p:style>
+          <a:lnRef idx="2">
+            <a:schemeClr val="accent1">
+              <a:shade val="50000"/>
+            </a:schemeClr>
+          </a:lnRef>
+          <a:fillRef idx="1">
+            <a:schemeClr val="accent1"/>
+          </a:fillRef>
+          <a:effectRef idx="0">
+            <a:schemeClr val="accent1"/>
+          </a:effectRef>
+          <a:fontRef idx="minor">
+            <a:schemeClr val="lt1"/>
+          </a:fontRef>
+        </p:style>
+        <p:txBody>
+          <a:bodyPr rtlCol="0" anchor="ctr"/>
+          <a:lstStyle/>
+          <a:p>
+            <a:pPr algn="ctr"/>
+            <a:endParaRPr lang="en-US"/>
+          </a:p>
+        </p:txBody>
+      </p:sp>
       <p:sp>
         <p:nvSpPr>
           <p:cNvPr id="5" name="Título 4">
@@ -8797,70 +10488,104 @@
         </p:nvSpPr>
         <p:spPr>
           <a:xfrm>
-            <a:off x="1676400" y="0"/>
-            <a:ext cx="10515600" cy="843915"/>
+            <a:off x="645064" y="525982"/>
+            <a:ext cx="4282983" cy="1200361"/>
           </a:xfrm>
-          <a:solidFill>
-            <a:schemeClr val="tx1"/>
-          </a:solidFill>
         </p:spPr>
         <p:txBody>
-          <a:bodyPr/>
+          <a:bodyPr anchor="b">
+            <a:normAutofit/>
+          </a:bodyPr>
           <a:lstStyle/>
           <a:p>
             <a:r>
-              <a:rPr lang="en-US" b="1" dirty="0">
-                <a:solidFill>
-                  <a:schemeClr val="bg1"/>
-                </a:solidFill>
-              </a:rPr>
+              <a:rPr lang="en-US" sz="3300" b="1" dirty="0"/>
               <a:t>CAPITULO II – </a:t>
             </a:r>
             <a:r>
-              <a:rPr lang="en-US" b="1" dirty="0" err="1">
-                <a:solidFill>
-                  <a:schemeClr val="bg1"/>
-                </a:solidFill>
-              </a:rPr>
-              <a:t>Analisis</a:t>
+              <a:rPr lang="es-SV" sz="3300" b="1" dirty="0"/>
+              <a:t>Análisis</a:t>
             </a:r>
             <a:r>
-              <a:rPr lang="en-US" b="1" dirty="0">
-                <a:solidFill>
-                  <a:schemeClr val="bg1"/>
-                </a:solidFill>
-              </a:rPr>
+              <a:rPr lang="en-US" sz="3300" b="1" dirty="0"/>
               <a:t> y </a:t>
             </a:r>
             <a:r>
-              <a:rPr lang="en-US" b="1" dirty="0" err="1">
-                <a:solidFill>
-                  <a:schemeClr val="bg1"/>
-                </a:solidFill>
-              </a:rPr>
+              <a:rPr lang="en-US" sz="3300" b="1" dirty="0" err="1"/>
               <a:t>dise</a:t>
             </a:r>
             <a:r>
-              <a:rPr lang="es-ES" b="1" dirty="0" err="1">
-                <a:solidFill>
-                  <a:schemeClr val="bg1"/>
-                </a:solidFill>
-              </a:rPr>
+              <a:rPr lang="es-ES" sz="3300" b="1" dirty="0" err="1"/>
               <a:t>ño</a:t>
             </a:r>
             <a:r>
-              <a:rPr lang="es-ES" b="1" dirty="0">
-                <a:solidFill>
-                  <a:schemeClr val="bg1"/>
-                </a:solidFill>
-              </a:rPr>
+              <a:rPr lang="es-ES" sz="3300" b="1" dirty="0"/>
               <a:t> de la propuesta</a:t>
             </a:r>
-            <a:endParaRPr lang="es-SV" b="1" dirty="0">
-              <a:solidFill>
-                <a:schemeClr val="bg1"/>
-              </a:solidFill>
-            </a:endParaRPr>
+            <a:endParaRPr lang="es-SV" sz="3300" b="1" dirty="0"/>
+          </a:p>
+        </p:txBody>
+      </p:sp>
+      <p:sp>
+        <p:nvSpPr>
+          <p:cNvPr id="2065" name="Rectangle 2056">
+            <a:extLst>
+              <a:ext uri="{FF2B5EF4-FFF2-40B4-BE49-F238E27FC236}">
+                <a16:creationId xmlns:a16="http://schemas.microsoft.com/office/drawing/2014/main" id="{169CC832-2974-4E8D-90ED-3E2941BA7336}"/>
+              </a:ext>
+              <a:ext uri="{C183D7F6-B498-43B3-948B-1728B52AA6E4}">
+                <adec:decorative xmlns:adec="http://schemas.microsoft.com/office/drawing/2017/decorative" val="1"/>
+              </a:ext>
+            </a:extLst>
+          </p:cNvPr>
+          <p:cNvSpPr>
+            <a:spLocks noGrp="1" noRot="1" noChangeAspect="1" noMove="1" noResize="1" noEditPoints="1" noAdjustHandles="1" noChangeArrowheads="1" noChangeShapeType="1" noTextEdit="1"/>
+          </p:cNvSpPr>
+          <p:nvPr>
+            <p:extLst>
+              <p:ext uri="{386F3935-93C4-4BCD-93E2-E3B085C9AB24}">
+                <p16:designElem xmlns:p16="http://schemas.microsoft.com/office/powerpoint/2015/main" val="1"/>
+              </p:ext>
+            </p:extLst>
+          </p:nvPr>
+        </p:nvSpPr>
+        <p:spPr>
+          <a:xfrm flipH="1">
+            <a:off x="616533" y="1944913"/>
+            <a:ext cx="4023360" cy="27432"/>
+          </a:xfrm>
+          <a:prstGeom prst="rect">
+            <a:avLst/>
+          </a:prstGeom>
+          <a:solidFill>
+            <a:schemeClr val="accent4"/>
+          </a:solidFill>
+          <a:ln>
+            <a:noFill/>
+          </a:ln>
+        </p:spPr>
+        <p:style>
+          <a:lnRef idx="2">
+            <a:schemeClr val="accent1">
+              <a:shade val="50000"/>
+            </a:schemeClr>
+          </a:lnRef>
+          <a:fillRef idx="1">
+            <a:schemeClr val="accent1"/>
+          </a:fillRef>
+          <a:effectRef idx="0">
+            <a:schemeClr val="accent1"/>
+          </a:effectRef>
+          <a:fontRef idx="minor">
+            <a:schemeClr val="lt1"/>
+          </a:fontRef>
+        </p:style>
+        <p:txBody>
+          <a:bodyPr rtlCol="0" anchor="ctr"/>
+          <a:lstStyle/>
+          <a:p>
+            <a:pPr algn="ctr"/>
+            <a:endParaRPr lang="en-US"/>
           </a:p>
         </p:txBody>
       </p:sp>
@@ -8880,162 +10605,308 @@
             <p:ph idx="1"/>
           </p:nvPr>
         </p:nvSpPr>
-        <p:spPr/>
+        <p:spPr>
+          <a:xfrm>
+            <a:off x="645066" y="2031101"/>
+            <a:ext cx="4282984" cy="3511943"/>
+          </a:xfrm>
+        </p:spPr>
         <p:txBody>
-          <a:bodyPr/>
+          <a:bodyPr anchor="ctr">
+            <a:normAutofit/>
+          </a:bodyPr>
           <a:lstStyle/>
           <a:p>
             <a:r>
-              <a:rPr lang="es-ES" dirty="0"/>
+              <a:rPr lang="es-ES" sz="1800" dirty="0"/>
               <a:t>Taller de requerimiento</a:t>
             </a:r>
           </a:p>
           <a:p>
             <a:r>
-              <a:rPr lang="es-ES" dirty="0"/>
+              <a:rPr lang="es-ES" sz="1800" dirty="0"/>
               <a:t>Gestión de usuarios</a:t>
             </a:r>
           </a:p>
           <a:p>
             <a:r>
-              <a:rPr lang="es-ES" dirty="0"/>
+              <a:rPr lang="es-ES" sz="1800" dirty="0"/>
               <a:t>Visualización de datos</a:t>
             </a:r>
           </a:p>
           <a:p>
             <a:r>
-              <a:rPr lang="es-ES" dirty="0"/>
+              <a:rPr lang="es-ES" sz="1800" dirty="0"/>
               <a:t>Descripción de la propuesta</a:t>
             </a:r>
           </a:p>
           <a:p>
             <a:r>
-              <a:rPr lang="es-ES" dirty="0"/>
+              <a:rPr lang="es-ES" sz="1800" dirty="0"/>
               <a:t>Descripción de las tecnologías disponibles</a:t>
             </a:r>
           </a:p>
           <a:p>
             <a:r>
-              <a:rPr lang="es-ES" dirty="0"/>
+              <a:rPr lang="es-ES" sz="1800" dirty="0"/>
               <a:t>Diagrama arquitectónico de la solución</a:t>
             </a:r>
           </a:p>
           <a:p>
             <a:r>
-              <a:rPr lang="es-ES" dirty="0"/>
+              <a:rPr lang="es-ES" sz="1800" dirty="0"/>
               <a:t>Descripción de los componentes de la solución</a:t>
             </a:r>
-            <a:endParaRPr lang="es-SV" dirty="0"/>
+            <a:endParaRPr lang="es-SV" sz="1800" dirty="0"/>
           </a:p>
         </p:txBody>
       </p:sp>
+      <p:sp>
+        <p:nvSpPr>
+          <p:cNvPr id="2066" name="Rectangle 2058">
+            <a:extLst>
+              <a:ext uri="{FF2B5EF4-FFF2-40B4-BE49-F238E27FC236}">
+                <a16:creationId xmlns:a16="http://schemas.microsoft.com/office/drawing/2014/main" id="{55222F96-971A-4F90-B841-6BAB416C7AC1}"/>
+              </a:ext>
+              <a:ext uri="{C183D7F6-B498-43B3-948B-1728B52AA6E4}">
+                <adec:decorative xmlns:adec="http://schemas.microsoft.com/office/drawing/2017/decorative" val="1"/>
+              </a:ext>
+            </a:extLst>
+          </p:cNvPr>
+          <p:cNvSpPr>
+            <a:spLocks noGrp="1" noRot="1" noChangeAspect="1" noMove="1" noResize="1" noEditPoints="1" noAdjustHandles="1" noChangeArrowheads="1" noChangeShapeType="1" noTextEdit="1"/>
+          </p:cNvSpPr>
+          <p:nvPr>
+            <p:extLst>
+              <p:ext uri="{386F3935-93C4-4BCD-93E2-E3B085C9AB24}">
+                <p16:designElem xmlns:p16="http://schemas.microsoft.com/office/powerpoint/2015/main" val="1"/>
+              </p:ext>
+            </p:extLst>
+          </p:nvPr>
+        </p:nvSpPr>
+        <p:spPr>
+          <a:xfrm rot="5400000">
+            <a:off x="-225843" y="6053360"/>
+            <a:ext cx="740664" cy="154124"/>
+          </a:xfrm>
+          <a:prstGeom prst="rect">
+            <a:avLst/>
+          </a:prstGeom>
+          <a:solidFill>
+            <a:schemeClr val="accent4"/>
+          </a:solidFill>
+          <a:ln>
+            <a:noFill/>
+          </a:ln>
+        </p:spPr>
+        <p:style>
+          <a:lnRef idx="2">
+            <a:schemeClr val="accent1">
+              <a:shade val="50000"/>
+            </a:schemeClr>
+          </a:lnRef>
+          <a:fillRef idx="1">
+            <a:schemeClr val="accent1"/>
+          </a:fillRef>
+          <a:effectRef idx="0">
+            <a:schemeClr val="accent1"/>
+          </a:effectRef>
+          <a:fontRef idx="minor">
+            <a:schemeClr val="lt1"/>
+          </a:fontRef>
+        </p:style>
+        <p:txBody>
+          <a:bodyPr rtlCol="0" anchor="ctr"/>
+          <a:lstStyle/>
+          <a:p>
+            <a:pPr algn="ctr"/>
+            <a:endParaRPr lang="en-US"/>
+          </a:p>
+        </p:txBody>
+      </p:sp>
+      <p:sp>
+        <p:nvSpPr>
+          <p:cNvPr id="2067" name="Rectangle 2060">
+            <a:extLst>
+              <a:ext uri="{FF2B5EF4-FFF2-40B4-BE49-F238E27FC236}">
+                <a16:creationId xmlns:a16="http://schemas.microsoft.com/office/drawing/2014/main" id="{08980754-6F4B-43C9-B9BE-127B6BED6586}"/>
+              </a:ext>
+              <a:ext uri="{C183D7F6-B498-43B3-948B-1728B52AA6E4}">
+                <adec:decorative xmlns:adec="http://schemas.microsoft.com/office/drawing/2017/decorative" val="1"/>
+              </a:ext>
+            </a:extLst>
+          </p:cNvPr>
+          <p:cNvSpPr>
+            <a:spLocks noGrp="1" noRot="1" noChangeAspect="1" noMove="1" noResize="1" noEditPoints="1" noAdjustHandles="1" noChangeArrowheads="1" noChangeShapeType="1" noTextEdit="1"/>
+          </p:cNvSpPr>
+          <p:nvPr>
+            <p:extLst>
+              <p:ext uri="{386F3935-93C4-4BCD-93E2-E3B085C9AB24}">
+                <p16:designElem xmlns:p16="http://schemas.microsoft.com/office/powerpoint/2015/main" val="1"/>
+              </p:ext>
+            </p:extLst>
+          </p:nvPr>
+        </p:nvSpPr>
+        <p:spPr>
+          <a:xfrm rot="5400000">
+            <a:off x="5904923" y="215201"/>
+            <a:ext cx="740664" cy="11833491"/>
+          </a:xfrm>
+          <a:prstGeom prst="rect">
+            <a:avLst/>
+          </a:prstGeom>
+          <a:solidFill>
+            <a:schemeClr val="accent4"/>
+          </a:solidFill>
+          <a:ln>
+            <a:noFill/>
+          </a:ln>
+        </p:spPr>
+        <p:style>
+          <a:lnRef idx="2">
+            <a:schemeClr val="accent1">
+              <a:shade val="50000"/>
+            </a:schemeClr>
+          </a:lnRef>
+          <a:fillRef idx="1">
+            <a:schemeClr val="accent1"/>
+          </a:fillRef>
+          <a:effectRef idx="0">
+            <a:schemeClr val="accent1"/>
+          </a:effectRef>
+          <a:fontRef idx="minor">
+            <a:schemeClr val="lt1"/>
+          </a:fontRef>
+        </p:style>
+        <p:txBody>
+          <a:bodyPr rtlCol="0" anchor="ctr"/>
+          <a:lstStyle/>
+          <a:p>
+            <a:pPr algn="ctr"/>
+            <a:endParaRPr lang="en-US"/>
+          </a:p>
+        </p:txBody>
+      </p:sp>
+      <p:sp>
+        <p:nvSpPr>
+          <p:cNvPr id="2063" name="Rectangle 2062">
+            <a:extLst>
+              <a:ext uri="{FF2B5EF4-FFF2-40B4-BE49-F238E27FC236}">
+                <a16:creationId xmlns:a16="http://schemas.microsoft.com/office/drawing/2014/main" id="{2C1BBA94-3F40-40AA-8BB9-E69E25E537C1}"/>
+              </a:ext>
+              <a:ext uri="{C183D7F6-B498-43B3-948B-1728B52AA6E4}">
+                <adec:decorative xmlns:adec="http://schemas.microsoft.com/office/drawing/2017/decorative" val="1"/>
+              </a:ext>
+            </a:extLst>
+          </p:cNvPr>
+          <p:cNvSpPr>
+            <a:spLocks noGrp="1" noRot="1" noChangeAspect="1" noMove="1" noResize="1" noEditPoints="1" noAdjustHandles="1" noChangeArrowheads="1" noChangeShapeType="1" noTextEdit="1"/>
+          </p:cNvSpPr>
+          <p:nvPr>
+            <p:extLst>
+              <p:ext uri="{386F3935-93C4-4BCD-93E2-E3B085C9AB24}">
+                <p16:designElem xmlns:p16="http://schemas.microsoft.com/office/powerpoint/2015/main" val="1"/>
+              </p:ext>
+            </p:extLst>
+          </p:nvPr>
+        </p:nvSpPr>
+        <p:spPr>
+          <a:xfrm>
+            <a:off x="5696793" y="354959"/>
+            <a:ext cx="6184973" cy="5915212"/>
+          </a:xfrm>
+          <a:prstGeom prst="rect">
+            <a:avLst/>
+          </a:prstGeom>
+          <a:solidFill>
+            <a:schemeClr val="bg1"/>
+          </a:solidFill>
+          <a:ln>
+            <a:noFill/>
+          </a:ln>
+          <a:effectLst>
+            <a:outerShdw blurRad="139700" dist="127000" dir="5400000" algn="t" rotWithShape="0">
+              <a:prstClr val="black">
+                <a:alpha val="15000"/>
+              </a:prstClr>
+            </a:outerShdw>
+          </a:effectLst>
+        </p:spPr>
+        <p:style>
+          <a:lnRef idx="2">
+            <a:schemeClr val="accent1">
+              <a:shade val="50000"/>
+            </a:schemeClr>
+          </a:lnRef>
+          <a:fillRef idx="1">
+            <a:schemeClr val="accent1"/>
+          </a:fillRef>
+          <a:effectRef idx="0">
+            <a:schemeClr val="accent1"/>
+          </a:effectRef>
+          <a:fontRef idx="minor">
+            <a:schemeClr val="lt1"/>
+          </a:fontRef>
+        </p:style>
+        <p:txBody>
+          <a:bodyPr rtlCol="0" anchor="ctr"/>
+          <a:lstStyle/>
+          <a:p>
+            <a:pPr algn="ctr"/>
+            <a:endParaRPr lang="en-US"/>
+          </a:p>
+        </p:txBody>
+      </p:sp>
+      <p:pic>
+        <p:nvPicPr>
+          <p:cNvPr id="2050" name="Picture 2" descr="Cómo desarrollar una aplicación móvil híbrida | uTech Academy">
+            <a:extLst>
+              <a:ext uri="{FF2B5EF4-FFF2-40B4-BE49-F238E27FC236}">
+                <a16:creationId xmlns:a16="http://schemas.microsoft.com/office/drawing/2014/main" id="{D8E5CEE4-1D1A-1C41-BB2F-2ADEB96048AE}"/>
+              </a:ext>
+            </a:extLst>
+          </p:cNvPr>
+          <p:cNvPicPr>
+            <a:picLocks noChangeAspect="1" noChangeArrowheads="1"/>
+          </p:cNvPicPr>
+          <p:nvPr/>
+        </p:nvPicPr>
+        <p:blipFill>
+          <a:blip r:embed="rId2">
+            <a:extLst>
+              <a:ext uri="{28A0092B-C50C-407E-A947-70E740481C1C}">
+                <a14:useLocalDpi xmlns:a14="http://schemas.microsoft.com/office/drawing/2010/main" val="0"/>
+              </a:ext>
+            </a:extLst>
+          </a:blip>
+          <a:stretch>
+            <a:fillRect/>
+          </a:stretch>
+        </p:blipFill>
+        <p:spPr bwMode="auto">
+          <a:xfrm>
+            <a:off x="5987738" y="1553809"/>
+            <a:ext cx="5628018" cy="3517511"/>
+          </a:xfrm>
+          <a:prstGeom prst="rect">
+            <a:avLst/>
+          </a:prstGeom>
+          <a:noFill/>
+          <a:extLst>
+            <a:ext uri="{909E8E84-426E-40DD-AFC4-6F175D3DCCD1}">
+              <a14:hiddenFill xmlns:a14="http://schemas.microsoft.com/office/drawing/2010/main">
+                <a:solidFill>
+                  <a:srgbClr val="FFFFFF"/>
+                </a:solidFill>
+              </a14:hiddenFill>
+            </a:ext>
+          </a:extLst>
+        </p:spPr>
+      </p:pic>
     </p:spTree>
     <p:extLst>
       <p:ext uri="{BB962C8B-B14F-4D97-AF65-F5344CB8AC3E}">
         <p14:creationId xmlns:p14="http://schemas.microsoft.com/office/powerpoint/2010/main" val="2816671440"/>
-      </p:ext>
-    </p:extLst>
-  </p:cSld>
-  <p:clrMapOvr>
-    <a:masterClrMapping/>
-  </p:clrMapOvr>
-</p:sld>
-</file>
-
-<file path=ppt/slides/slide6.xml><?xml version="1.0" encoding="utf-8"?>
-<p:sld xmlns:a="http://schemas.openxmlformats.org/drawingml/2006/main" xmlns:r="http://schemas.openxmlformats.org/officeDocument/2006/relationships" xmlns:p="http://schemas.openxmlformats.org/presentationml/2006/main">
-  <p:cSld>
-    <p:spTree>
-      <p:nvGrpSpPr>
-        <p:cNvPr id="1" name=""/>
-        <p:cNvGrpSpPr/>
-        <p:nvPr/>
-      </p:nvGrpSpPr>
-      <p:grpSpPr>
-        <a:xfrm>
-          <a:off x="0" y="0"/>
-          <a:ext cx="0" cy="0"/>
-          <a:chOff x="0" y="0"/>
-          <a:chExt cx="0" cy="0"/>
-        </a:xfrm>
-      </p:grpSpPr>
-      <p:sp>
-        <p:nvSpPr>
-          <p:cNvPr id="5" name="Título 4">
-            <a:extLst>
-              <a:ext uri="{FF2B5EF4-FFF2-40B4-BE49-F238E27FC236}">
-                <a16:creationId xmlns:a16="http://schemas.microsoft.com/office/drawing/2014/main" id="{72990B5B-5EDE-6E2C-E450-6D5EE387EACB}"/>
-              </a:ext>
-            </a:extLst>
-          </p:cNvPr>
-          <p:cNvSpPr>
-            <a:spLocks noGrp="1"/>
-          </p:cNvSpPr>
-          <p:nvPr>
-            <p:ph type="title"/>
-          </p:nvPr>
-        </p:nvSpPr>
-        <p:spPr>
-          <a:xfrm>
-            <a:off x="1676400" y="0"/>
-            <a:ext cx="10515600" cy="843915"/>
-          </a:xfrm>
-          <a:solidFill>
-            <a:schemeClr val="tx1"/>
-          </a:solidFill>
-        </p:spPr>
-        <p:txBody>
-          <a:bodyPr/>
-          <a:lstStyle/>
-          <a:p>
-            <a:r>
-              <a:rPr lang="es-ES" b="1" dirty="0">
-                <a:solidFill>
-                  <a:schemeClr val="bg1"/>
-                </a:solidFill>
-              </a:rPr>
-              <a:t>Diagrama arquitectónico de la solución</a:t>
-            </a:r>
-            <a:endParaRPr lang="es-SV" b="1" dirty="0">
-              <a:solidFill>
-                <a:schemeClr val="bg1"/>
-              </a:solidFill>
-            </a:endParaRPr>
-          </a:p>
-        </p:txBody>
-      </p:sp>
-      <p:graphicFrame>
-        <p:nvGraphicFramePr>
-          <p:cNvPr id="8" name="Diagrama 7">
-            <a:extLst>
-              <a:ext uri="{FF2B5EF4-FFF2-40B4-BE49-F238E27FC236}">
-                <a16:creationId xmlns:a16="http://schemas.microsoft.com/office/drawing/2014/main" id="{556BA1E8-860E-9ED5-FCA6-4C4B5DB0FB6A}"/>
-              </a:ext>
-            </a:extLst>
-          </p:cNvPr>
-          <p:cNvGraphicFramePr/>
-          <p:nvPr>
-            <p:extLst>
-              <p:ext uri="{D42A27DB-BD31-4B8C-83A1-F6EECF244321}">
-                <p14:modId xmlns:p14="http://schemas.microsoft.com/office/powerpoint/2010/main" val="3829382933"/>
-              </p:ext>
-            </p:extLst>
-          </p:nvPr>
-        </p:nvGraphicFramePr>
-        <p:xfrm>
-          <a:off x="711200" y="1016000"/>
-          <a:ext cx="10678160" cy="5506719"/>
-        </p:xfrm>
-        <a:graphic>
-          <a:graphicData uri="http://schemas.openxmlformats.org/drawingml/2006/diagram">
-            <dgm:relIds xmlns:dgm="http://schemas.openxmlformats.org/drawingml/2006/diagram" xmlns:r="http://schemas.openxmlformats.org/officeDocument/2006/relationships" r:dm="rId2" r:lo="rId3" r:qs="rId4" r:cs="rId5"/>
-          </a:graphicData>
-        </a:graphic>
-      </p:graphicFrame>
-    </p:spTree>
-    <p:extLst>
-      <p:ext uri="{BB962C8B-B14F-4D97-AF65-F5344CB8AC3E}">
-        <p14:creationId xmlns:p14="http://schemas.microsoft.com/office/powerpoint/2010/main" val="169077636"/>
       </p:ext>
     </p:extLst>
   </p:cSld>
@@ -9088,32 +10959,321 @@
           </a:solidFill>
         </p:spPr>
         <p:txBody>
-          <a:bodyPr>
-            <a:normAutofit/>
-          </a:bodyPr>
+          <a:bodyPr/>
           <a:lstStyle/>
           <a:p>
-            <a:r>
-              <a:rPr lang="en-US" b="1" dirty="0">
-                <a:solidFill>
-                  <a:schemeClr val="bg1"/>
-                </a:solidFill>
-              </a:rPr>
-              <a:t>CAPITULO III – </a:t>
-            </a:r>
             <a:r>
               <a:rPr lang="es-ES" b="1" dirty="0">
                 <a:solidFill>
                   <a:schemeClr val="bg1"/>
                 </a:solidFill>
               </a:rPr>
-              <a:t>Estrategia de implementación</a:t>
+              <a:t>Diagrama arquitectónico de la solución</a:t>
             </a:r>
             <a:endParaRPr lang="es-SV" b="1" dirty="0">
               <a:solidFill>
                 <a:schemeClr val="bg1"/>
               </a:solidFill>
             </a:endParaRPr>
+          </a:p>
+        </p:txBody>
+      </p:sp>
+      <p:graphicFrame>
+        <p:nvGraphicFramePr>
+          <p:cNvPr id="8" name="Diagrama 7">
+            <a:extLst>
+              <a:ext uri="{FF2B5EF4-FFF2-40B4-BE49-F238E27FC236}">
+                <a16:creationId xmlns:a16="http://schemas.microsoft.com/office/drawing/2014/main" id="{556BA1E8-860E-9ED5-FCA6-4C4B5DB0FB6A}"/>
+              </a:ext>
+            </a:extLst>
+          </p:cNvPr>
+          <p:cNvGraphicFramePr/>
+          <p:nvPr>
+            <p:extLst>
+              <p:ext uri="{D42A27DB-BD31-4B8C-83A1-F6EECF244321}">
+                <p14:modId xmlns:p14="http://schemas.microsoft.com/office/powerpoint/2010/main" val="3829382933"/>
+              </p:ext>
+            </p:extLst>
+          </p:nvPr>
+        </p:nvGraphicFramePr>
+        <p:xfrm>
+          <a:off x="711200" y="1016000"/>
+          <a:ext cx="10678160" cy="5506719"/>
+        </p:xfrm>
+        <a:graphic>
+          <a:graphicData uri="http://schemas.openxmlformats.org/drawingml/2006/diagram">
+            <dgm:relIds xmlns:dgm="http://schemas.openxmlformats.org/drawingml/2006/diagram" xmlns:r="http://schemas.openxmlformats.org/officeDocument/2006/relationships" r:dm="rId2" r:lo="rId3" r:qs="rId4" r:cs="rId5"/>
+          </a:graphicData>
+        </a:graphic>
+      </p:graphicFrame>
+    </p:spTree>
+    <p:extLst>
+      <p:ext uri="{BB962C8B-B14F-4D97-AF65-F5344CB8AC3E}">
+        <p14:creationId xmlns:p14="http://schemas.microsoft.com/office/powerpoint/2010/main" val="169077636"/>
+      </p:ext>
+    </p:extLst>
+  </p:cSld>
+  <p:clrMapOvr>
+    <a:masterClrMapping/>
+  </p:clrMapOvr>
+</p:sld>
+</file>
+
+<file path=ppt/slides/slide8.xml><?xml version="1.0" encoding="utf-8"?>
+<p:sld xmlns:a="http://schemas.openxmlformats.org/drawingml/2006/main" xmlns:r="http://schemas.openxmlformats.org/officeDocument/2006/relationships" xmlns:p="http://schemas.openxmlformats.org/presentationml/2006/main">
+  <p:cSld>
+    <p:bg>
+      <p:bgPr>
+        <a:solidFill>
+          <a:schemeClr val="bg1"/>
+        </a:solidFill>
+        <a:effectLst/>
+      </p:bgPr>
+    </p:bg>
+    <p:spTree>
+      <p:nvGrpSpPr>
+        <p:cNvPr id="1" name=""/>
+        <p:cNvGrpSpPr/>
+        <p:nvPr/>
+      </p:nvGrpSpPr>
+      <p:grpSpPr>
+        <a:xfrm>
+          <a:off x="0" y="0"/>
+          <a:ext cx="0" cy="0"/>
+          <a:chOff x="0" y="0"/>
+          <a:chExt cx="0" cy="0"/>
+        </a:xfrm>
+      </p:grpSpPr>
+      <p:sp useBgFill="1">
+        <p:nvSpPr>
+          <p:cNvPr id="3079" name="Rectangle 3078">
+            <a:extLst>
+              <a:ext uri="{FF2B5EF4-FFF2-40B4-BE49-F238E27FC236}">
+                <a16:creationId xmlns:a16="http://schemas.microsoft.com/office/drawing/2014/main" id="{058A14AF-9FB5-4CC7-BA35-E8E85D3EDF0E}"/>
+              </a:ext>
+              <a:ext uri="{C183D7F6-B498-43B3-948B-1728B52AA6E4}">
+                <adec:decorative xmlns:adec="http://schemas.microsoft.com/office/drawing/2017/decorative" val="1"/>
+              </a:ext>
+            </a:extLst>
+          </p:cNvPr>
+          <p:cNvSpPr>
+            <a:spLocks noGrp="1" noRot="1" noChangeAspect="1" noMove="1" noResize="1" noEditPoints="1" noAdjustHandles="1" noChangeArrowheads="1" noChangeShapeType="1" noTextEdit="1"/>
+          </p:cNvSpPr>
+          <p:nvPr>
+            <p:extLst>
+              <p:ext uri="{386F3935-93C4-4BCD-93E2-E3B085C9AB24}">
+                <p16:designElem xmlns:p16="http://schemas.microsoft.com/office/powerpoint/2015/main" val="1"/>
+              </p:ext>
+            </p:extLst>
+          </p:nvPr>
+        </p:nvSpPr>
+        <p:spPr>
+          <a:xfrm>
+            <a:off x="0" y="0"/>
+            <a:ext cx="12191999" cy="6857365"/>
+          </a:xfrm>
+          <a:prstGeom prst="rect">
+            <a:avLst/>
+          </a:prstGeom>
+          <a:ln>
+            <a:noFill/>
+          </a:ln>
+        </p:spPr>
+        <p:style>
+          <a:lnRef idx="2">
+            <a:schemeClr val="accent1">
+              <a:shade val="50000"/>
+            </a:schemeClr>
+          </a:lnRef>
+          <a:fillRef idx="1">
+            <a:schemeClr val="accent1"/>
+          </a:fillRef>
+          <a:effectRef idx="0">
+            <a:schemeClr val="accent1"/>
+          </a:effectRef>
+          <a:fontRef idx="minor">
+            <a:schemeClr val="lt1"/>
+          </a:fontRef>
+        </p:style>
+        <p:txBody>
+          <a:bodyPr rtlCol="0" anchor="ctr"/>
+          <a:lstStyle/>
+          <a:p>
+            <a:pPr algn="ctr"/>
+            <a:endParaRPr lang="en-US"/>
+          </a:p>
+        </p:txBody>
+      </p:sp>
+      <p:sp>
+        <p:nvSpPr>
+          <p:cNvPr id="5" name="Título 4">
+            <a:extLst>
+              <a:ext uri="{FF2B5EF4-FFF2-40B4-BE49-F238E27FC236}">
+                <a16:creationId xmlns:a16="http://schemas.microsoft.com/office/drawing/2014/main" id="{72990B5B-5EDE-6E2C-E450-6D5EE387EACB}"/>
+              </a:ext>
+            </a:extLst>
+          </p:cNvPr>
+          <p:cNvSpPr>
+            <a:spLocks noGrp="1"/>
+          </p:cNvSpPr>
+          <p:nvPr>
+            <p:ph type="title"/>
+          </p:nvPr>
+        </p:nvSpPr>
+        <p:spPr>
+          <a:xfrm>
+            <a:off x="793662" y="386930"/>
+            <a:ext cx="10066122" cy="1298448"/>
+          </a:xfrm>
+        </p:spPr>
+        <p:txBody>
+          <a:bodyPr anchor="b">
+            <a:normAutofit/>
+          </a:bodyPr>
+          <a:lstStyle/>
+          <a:p>
+            <a:r>
+              <a:rPr lang="en-US" b="1"/>
+              <a:t>CAPITULO III – </a:t>
+            </a:r>
+            <a:r>
+              <a:rPr lang="es-ES" b="1"/>
+              <a:t>Estrategia de implementación</a:t>
+            </a:r>
+            <a:endParaRPr lang="es-SV" b="1"/>
+          </a:p>
+        </p:txBody>
+      </p:sp>
+      <p:sp>
+        <p:nvSpPr>
+          <p:cNvPr id="3081" name="Rectangle 3080">
+            <a:extLst>
+              <a:ext uri="{FF2B5EF4-FFF2-40B4-BE49-F238E27FC236}">
+                <a16:creationId xmlns:a16="http://schemas.microsoft.com/office/drawing/2014/main" id="{3A9A4357-BD1D-4622-A4FE-766E6AB8DE84}"/>
+              </a:ext>
+              <a:ext uri="{C183D7F6-B498-43B3-948B-1728B52AA6E4}">
+                <adec:decorative xmlns:adec="http://schemas.microsoft.com/office/drawing/2017/decorative" val="1"/>
+              </a:ext>
+            </a:extLst>
+          </p:cNvPr>
+          <p:cNvSpPr>
+            <a:spLocks noGrp="1" noRot="1" noChangeAspect="1" noMove="1" noResize="1" noEditPoints="1" noAdjustHandles="1" noChangeArrowheads="1" noChangeShapeType="1" noTextEdit="1"/>
+          </p:cNvSpPr>
+          <p:nvPr>
+            <p:extLst>
+              <p:ext uri="{386F3935-93C4-4BCD-93E2-E3B085C9AB24}">
+                <p16:designElem xmlns:p16="http://schemas.microsoft.com/office/powerpoint/2015/main" val="1"/>
+              </p:ext>
+            </p:extLst>
+          </p:nvPr>
+        </p:nvSpPr>
+        <p:spPr>
+          <a:xfrm flipH="1" flipV="1">
+            <a:off x="-2" y="1998845"/>
+            <a:ext cx="11454595" cy="781699"/>
+          </a:xfrm>
+          <a:prstGeom prst="rect">
+            <a:avLst/>
+          </a:prstGeom>
+          <a:solidFill>
+            <a:schemeClr val="accent4"/>
+          </a:solidFill>
+          <a:ln>
+            <a:noFill/>
+          </a:ln>
+        </p:spPr>
+        <p:style>
+          <a:lnRef idx="2">
+            <a:schemeClr val="accent1">
+              <a:shade val="50000"/>
+            </a:schemeClr>
+          </a:lnRef>
+          <a:fillRef idx="1">
+            <a:schemeClr val="accent1"/>
+          </a:fillRef>
+          <a:effectRef idx="0">
+            <a:schemeClr val="accent1"/>
+          </a:effectRef>
+          <a:fontRef idx="minor">
+            <a:schemeClr val="lt1"/>
+          </a:fontRef>
+        </p:style>
+        <p:txBody>
+          <a:bodyPr rtlCol="0" anchor="ctr"/>
+          <a:lstStyle/>
+          <a:p>
+            <a:pPr algn="ctr"/>
+            <a:endParaRPr lang="en-US"/>
+          </a:p>
+        </p:txBody>
+      </p:sp>
+      <p:sp>
+        <p:nvSpPr>
+          <p:cNvPr id="3083" name="Rectangle 3082">
+            <a:extLst>
+              <a:ext uri="{FF2B5EF4-FFF2-40B4-BE49-F238E27FC236}">
+                <a16:creationId xmlns:a16="http://schemas.microsoft.com/office/drawing/2014/main" id="{E659831F-0D9A-4C63-9EBB-8435B85A440F}"/>
+              </a:ext>
+              <a:ext uri="{C183D7F6-B498-43B3-948B-1728B52AA6E4}">
+                <adec:decorative xmlns:adec="http://schemas.microsoft.com/office/drawing/2017/decorative" val="1"/>
+              </a:ext>
+            </a:extLst>
+          </p:cNvPr>
+          <p:cNvSpPr>
+            <a:spLocks noGrp="1" noRot="1" noChangeAspect="1" noMove="1" noResize="1" noEditPoints="1" noAdjustHandles="1" noChangeArrowheads="1" noChangeShapeType="1" noTextEdit="1"/>
+          </p:cNvSpPr>
+          <p:nvPr>
+            <p:extLst>
+              <p:ext uri="{386F3935-93C4-4BCD-93E2-E3B085C9AB24}">
+                <p16:designElem xmlns:p16="http://schemas.microsoft.com/office/powerpoint/2015/main" val="1"/>
+              </p:ext>
+            </p:extLst>
+          </p:nvPr>
+        </p:nvSpPr>
+        <p:spPr>
+          <a:xfrm>
+            <a:off x="0" y="2203079"/>
+            <a:ext cx="11383362" cy="4267991"/>
+          </a:xfrm>
+          <a:prstGeom prst="rect">
+            <a:avLst/>
+          </a:prstGeom>
+          <a:solidFill>
+            <a:schemeClr val="bg1"/>
+          </a:solidFill>
+          <a:ln>
+            <a:noFill/>
+          </a:ln>
+          <a:effectLst>
+            <a:outerShdw blurRad="139700" dist="127000" dir="5400000" algn="t" rotWithShape="0">
+              <a:prstClr val="black">
+                <a:alpha val="15000"/>
+              </a:prstClr>
+            </a:outerShdw>
+          </a:effectLst>
+        </p:spPr>
+        <p:style>
+          <a:lnRef idx="2">
+            <a:schemeClr val="accent1">
+              <a:shade val="50000"/>
+            </a:schemeClr>
+          </a:lnRef>
+          <a:fillRef idx="1">
+            <a:schemeClr val="accent1"/>
+          </a:fillRef>
+          <a:effectRef idx="0">
+            <a:schemeClr val="accent1"/>
+          </a:effectRef>
+          <a:fontRef idx="minor">
+            <a:schemeClr val="lt1"/>
+          </a:fontRef>
+        </p:style>
+        <p:txBody>
+          <a:bodyPr rtlCol="0" anchor="ctr"/>
+          <a:lstStyle/>
+          <a:p>
+            <a:pPr algn="ctr"/>
+            <a:endParaRPr lang="en-US"/>
           </a:p>
         </p:txBody>
       </p:sp>
@@ -9133,71 +11293,76 @@
             <p:ph idx="1"/>
           </p:nvPr>
         </p:nvSpPr>
-        <p:spPr/>
+        <p:spPr>
+          <a:xfrm>
+            <a:off x="793661" y="2599509"/>
+            <a:ext cx="4530898" cy="3639450"/>
+          </a:xfrm>
+        </p:spPr>
         <p:txBody>
-          <a:bodyPr>
-            <a:normAutofit fontScale="92500" lnSpcReduction="10000"/>
+          <a:bodyPr anchor="ctr">
+            <a:normAutofit/>
           </a:bodyPr>
           <a:lstStyle/>
           <a:p>
             <a:r>
-              <a:rPr lang="es-ES" dirty="0"/>
+              <a:rPr lang="es-ES" sz="1700" dirty="0"/>
               <a:t>Estrategia de implementación</a:t>
             </a:r>
           </a:p>
           <a:p>
             <a:r>
-              <a:rPr lang="es-ES" dirty="0"/>
+              <a:rPr lang="es-ES" sz="1700" dirty="0"/>
               <a:t>Investigación de industria</a:t>
             </a:r>
           </a:p>
           <a:p>
             <a:r>
-              <a:rPr lang="es-ES" dirty="0"/>
+              <a:rPr lang="es-ES" sz="1700" dirty="0"/>
               <a:t>Definición del usuario objetivo</a:t>
             </a:r>
           </a:p>
           <a:p>
             <a:r>
-              <a:rPr lang="es-ES" dirty="0"/>
+              <a:rPr lang="es-ES" sz="1700" dirty="0"/>
               <a:t>Principales competidores</a:t>
             </a:r>
           </a:p>
           <a:p>
             <a:r>
-              <a:rPr lang="es-ES" i="1" dirty="0"/>
+              <a:rPr lang="es-ES" sz="1700" i="1" dirty="0"/>
               <a:t>Diseño de sitio web</a:t>
             </a:r>
           </a:p>
           <a:p>
             <a:r>
-              <a:rPr lang="es-ES" i="1" dirty="0"/>
+              <a:rPr lang="es-ES" sz="1700" i="1" dirty="0"/>
               <a:t>Redes sociales</a:t>
             </a:r>
           </a:p>
           <a:p>
             <a:r>
-              <a:rPr lang="es-ES" i="1" dirty="0"/>
+              <a:rPr lang="es-ES" sz="1700" i="1" dirty="0"/>
               <a:t>Marketing de contenidos</a:t>
             </a:r>
           </a:p>
           <a:p>
             <a:r>
-              <a:rPr lang="es-ES" i="1" dirty="0"/>
+              <a:rPr lang="es-ES" sz="1700" i="1" dirty="0"/>
               <a:t>SEO</a:t>
             </a:r>
           </a:p>
           <a:p>
             <a:pPr lvl="1"/>
             <a:r>
-              <a:rPr lang="es-ES" i="1" dirty="0"/>
+              <a:rPr lang="es-ES" sz="1700" i="1" dirty="0"/>
               <a:t>Campañas gratuitas</a:t>
             </a:r>
           </a:p>
           <a:p>
             <a:pPr lvl="1"/>
             <a:r>
-              <a:rPr lang="es-ES" i="1" dirty="0"/>
+              <a:rPr lang="es-ES" sz="1700" i="1" dirty="0"/>
               <a:t>Campañas pagadas</a:t>
             </a:r>
           </a:p>
@@ -9205,7 +11370,116 @@
             <a:pPr marL="0" indent="0">
               <a:buNone/>
             </a:pPr>
-            <a:endParaRPr lang="es-SV" i="1" dirty="0"/>
+            <a:endParaRPr lang="es-SV" sz="1700" i="1" dirty="0"/>
+          </a:p>
+        </p:txBody>
+      </p:sp>
+      <p:pic>
+        <p:nvPicPr>
+          <p:cNvPr id="3074" name="Picture 2" descr="Las aplicaciones móviles en EEUU ocupan el 84,9% del tiempo de uso del ...">
+            <a:extLst>
+              <a:ext uri="{FF2B5EF4-FFF2-40B4-BE49-F238E27FC236}">
+                <a16:creationId xmlns:a16="http://schemas.microsoft.com/office/drawing/2014/main" id="{A4A2BFB5-686F-EC22-37A5-E173BB62CDE0}"/>
+              </a:ext>
+            </a:extLst>
+          </p:cNvPr>
+          <p:cNvPicPr>
+            <a:picLocks noChangeAspect="1" noChangeArrowheads="1"/>
+          </p:cNvPicPr>
+          <p:nvPr/>
+        </p:nvPicPr>
+        <p:blipFill>
+          <a:blip r:embed="rId2">
+            <a:extLst>
+              <a:ext uri="{28A0092B-C50C-407E-A947-70E740481C1C}">
+                <a14:useLocalDpi xmlns:a14="http://schemas.microsoft.com/office/drawing/2010/main" val="0"/>
+              </a:ext>
+            </a:extLst>
+          </a:blip>
+          <a:stretch>
+            <a:fillRect/>
+          </a:stretch>
+        </p:blipFill>
+        <p:spPr bwMode="auto">
+          <a:xfrm>
+            <a:off x="5911532" y="3240505"/>
+            <a:ext cx="5150277" cy="2201743"/>
+          </a:xfrm>
+          <a:prstGeom prst="rect">
+            <a:avLst/>
+          </a:prstGeom>
+          <a:noFill/>
+          <a:extLst>
+            <a:ext uri="{909E8E84-426E-40DD-AFC4-6F175D3DCCD1}">
+              <a14:hiddenFill xmlns:a14="http://schemas.microsoft.com/office/drawing/2010/main">
+                <a:solidFill>
+                  <a:srgbClr val="FFFFFF"/>
+                </a:solidFill>
+              </a14:hiddenFill>
+            </a:ext>
+          </a:extLst>
+        </p:spPr>
+      </p:pic>
+      <p:sp>
+        <p:nvSpPr>
+          <p:cNvPr id="3085" name="Rectangle 3084">
+            <a:extLst>
+              <a:ext uri="{FF2B5EF4-FFF2-40B4-BE49-F238E27FC236}">
+                <a16:creationId xmlns:a16="http://schemas.microsoft.com/office/drawing/2014/main" id="{E6995CE5-F890-4ABA-82A2-26507CE8D2A3}"/>
+              </a:ext>
+              <a:ext uri="{C183D7F6-B498-43B3-948B-1728B52AA6E4}">
+                <adec:decorative xmlns:adec="http://schemas.microsoft.com/office/drawing/2017/decorative" val="1"/>
+              </a:ext>
+            </a:extLst>
+          </p:cNvPr>
+          <p:cNvSpPr>
+            <a:spLocks noGrp="1" noRot="1" noChangeAspect="1" noMove="1" noResize="1" noEditPoints="1" noAdjustHandles="1" noChangeArrowheads="1" noChangeShapeType="1" noTextEdit="1"/>
+          </p:cNvSpPr>
+          <p:nvPr>
+            <p:extLst>
+              <p:ext uri="{386F3935-93C4-4BCD-93E2-E3B085C9AB24}">
+                <p16:designElem xmlns:p16="http://schemas.microsoft.com/office/powerpoint/2015/main" val="1"/>
+              </p:ext>
+            </p:extLst>
+          </p:nvPr>
+        </p:nvSpPr>
+        <p:spPr>
+          <a:xfrm rot="5400000">
+            <a:off x="11228040" y="2313027"/>
+            <a:ext cx="781700" cy="152382"/>
+          </a:xfrm>
+          <a:prstGeom prst="rect">
+            <a:avLst/>
+          </a:prstGeom>
+          <a:solidFill>
+            <a:schemeClr val="accent4"/>
+          </a:solidFill>
+          <a:ln>
+            <a:noFill/>
+          </a:ln>
+        </p:spPr>
+        <p:style>
+          <a:lnRef idx="2">
+            <a:schemeClr val="accent1">
+              <a:shade val="50000"/>
+            </a:schemeClr>
+          </a:lnRef>
+          <a:fillRef idx="1">
+            <a:schemeClr val="accent1"/>
+          </a:fillRef>
+          <a:effectRef idx="0">
+            <a:schemeClr val="accent1"/>
+          </a:effectRef>
+          <a:fontRef idx="minor">
+            <a:schemeClr val="lt1"/>
+          </a:fontRef>
+        </p:style>
+        <p:txBody>
+          <a:bodyPr rtlCol="0" anchor="ctr"/>
+          <a:lstStyle/>
+          <a:p>
+            <a:pPr algn="ctr"/>
+            <a:endParaRPr lang="en-US"/>
           </a:p>
         </p:txBody>
       </p:sp>
@@ -9222,7 +11496,7 @@
 </p:sld>
 </file>
 
-<file path=ppt/slides/slide8.xml><?xml version="1.0" encoding="utf-8"?>
+<file path=ppt/slides/slide9.xml><?xml version="1.0" encoding="utf-8"?>
 <p:sld xmlns:a="http://schemas.openxmlformats.org/drawingml/2006/main" xmlns:r="http://schemas.openxmlformats.org/officeDocument/2006/relationships" xmlns:p="http://schemas.openxmlformats.org/presentationml/2006/main">
   <p:cSld>
     <p:spTree>

--- a/PETROLINv5.pptx
+++ b/PETROLINv5.pptx
@@ -4505,7 +4505,7 @@
           <a:p>
             <a:fld id="{C64BFCF4-A692-4532-AA6A-DF6B1857E273}" type="datetimeFigureOut">
               <a:rPr lang="es-SV" smtClean="0"/>
-              <a:t>9/11/2023</a:t>
+              <a:t>11/11/2023</a:t>
             </a:fld>
             <a:endParaRPr lang="es-SV" dirty="0"/>
           </a:p>
@@ -4705,7 +4705,7 @@
           <a:p>
             <a:fld id="{C64BFCF4-A692-4532-AA6A-DF6B1857E273}" type="datetimeFigureOut">
               <a:rPr lang="es-SV" smtClean="0"/>
-              <a:t>9/11/2023</a:t>
+              <a:t>11/11/2023</a:t>
             </a:fld>
             <a:endParaRPr lang="es-SV" dirty="0"/>
           </a:p>
@@ -4915,7 +4915,7 @@
           <a:p>
             <a:fld id="{C64BFCF4-A692-4532-AA6A-DF6B1857E273}" type="datetimeFigureOut">
               <a:rPr lang="es-SV" smtClean="0"/>
-              <a:t>9/11/2023</a:t>
+              <a:t>11/11/2023</a:t>
             </a:fld>
             <a:endParaRPr lang="es-SV" dirty="0"/>
           </a:p>
@@ -5115,7 +5115,7 @@
           <a:p>
             <a:fld id="{C64BFCF4-A692-4532-AA6A-DF6B1857E273}" type="datetimeFigureOut">
               <a:rPr lang="es-SV" smtClean="0"/>
-              <a:t>9/11/2023</a:t>
+              <a:t>11/11/2023</a:t>
             </a:fld>
             <a:endParaRPr lang="es-SV" dirty="0"/>
           </a:p>
@@ -5391,7 +5391,7 @@
           <a:p>
             <a:fld id="{C64BFCF4-A692-4532-AA6A-DF6B1857E273}" type="datetimeFigureOut">
               <a:rPr lang="es-SV" smtClean="0"/>
-              <a:t>9/11/2023</a:t>
+              <a:t>11/11/2023</a:t>
             </a:fld>
             <a:endParaRPr lang="es-SV" dirty="0"/>
           </a:p>
@@ -5659,7 +5659,7 @@
           <a:p>
             <a:fld id="{C64BFCF4-A692-4532-AA6A-DF6B1857E273}" type="datetimeFigureOut">
               <a:rPr lang="es-SV" smtClean="0"/>
-              <a:t>9/11/2023</a:t>
+              <a:t>11/11/2023</a:t>
             </a:fld>
             <a:endParaRPr lang="es-SV" dirty="0"/>
           </a:p>
@@ -6074,7 +6074,7 @@
           <a:p>
             <a:fld id="{C64BFCF4-A692-4532-AA6A-DF6B1857E273}" type="datetimeFigureOut">
               <a:rPr lang="es-SV" smtClean="0"/>
-              <a:t>9/11/2023</a:t>
+              <a:t>11/11/2023</a:t>
             </a:fld>
             <a:endParaRPr lang="es-SV" dirty="0"/>
           </a:p>
@@ -6216,7 +6216,7 @@
           <a:p>
             <a:fld id="{C64BFCF4-A692-4532-AA6A-DF6B1857E273}" type="datetimeFigureOut">
               <a:rPr lang="es-SV" smtClean="0"/>
-              <a:t>9/11/2023</a:t>
+              <a:t>11/11/2023</a:t>
             </a:fld>
             <a:endParaRPr lang="es-SV" dirty="0"/>
           </a:p>
@@ -6329,7 +6329,7 @@
           <a:p>
             <a:fld id="{C64BFCF4-A692-4532-AA6A-DF6B1857E273}" type="datetimeFigureOut">
               <a:rPr lang="es-SV" smtClean="0"/>
-              <a:t>9/11/2023</a:t>
+              <a:t>11/11/2023</a:t>
             </a:fld>
             <a:endParaRPr lang="es-SV" dirty="0"/>
           </a:p>
@@ -6642,7 +6642,7 @@
           <a:p>
             <a:fld id="{C64BFCF4-A692-4532-AA6A-DF6B1857E273}" type="datetimeFigureOut">
               <a:rPr lang="es-SV" smtClean="0"/>
-              <a:t>9/11/2023</a:t>
+              <a:t>11/11/2023</a:t>
             </a:fld>
             <a:endParaRPr lang="es-SV" dirty="0"/>
           </a:p>
@@ -6931,7 +6931,7 @@
           <a:p>
             <a:fld id="{C64BFCF4-A692-4532-AA6A-DF6B1857E273}" type="datetimeFigureOut">
               <a:rPr lang="es-SV" smtClean="0"/>
-              <a:t>9/11/2023</a:t>
+              <a:t>11/11/2023</a:t>
             </a:fld>
             <a:endParaRPr lang="es-SV" dirty="0"/>
           </a:p>
@@ -7183,7 +7183,7 @@
           <a:p>
             <a:fld id="{C64BFCF4-A692-4532-AA6A-DF6B1857E273}" type="datetimeFigureOut">
               <a:rPr lang="es-SV" smtClean="0"/>
-              <a:t>9/11/2023</a:t>
+              <a:t>11/11/2023</a:t>
             </a:fld>
             <a:endParaRPr lang="es-SV" dirty="0"/>
           </a:p>
@@ -10297,36 +10297,6 @@
           <a:chExt cx="0" cy="0"/>
         </a:xfrm>
       </p:grpSpPr>
-      <p:pic>
-        <p:nvPicPr>
-          <p:cNvPr id="4" name="Imagen 3">
-            <a:extLst>
-              <a:ext uri="{FF2B5EF4-FFF2-40B4-BE49-F238E27FC236}">
-                <a16:creationId xmlns:a16="http://schemas.microsoft.com/office/drawing/2014/main" id="{A7A2593D-316E-42E4-F5CD-BC4E3145AA5D}"/>
-              </a:ext>
-            </a:extLst>
-          </p:cNvPr>
-          <p:cNvPicPr>
-            <a:picLocks noChangeAspect="1"/>
-          </p:cNvPicPr>
-          <p:nvPr/>
-        </p:nvPicPr>
-        <p:blipFill>
-          <a:blip r:embed="rId2"/>
-          <a:stretch>
-            <a:fillRect/>
-          </a:stretch>
-        </p:blipFill>
-        <p:spPr>
-          <a:xfrm>
-            <a:off x="1488090" y="1209040"/>
-            <a:ext cx="9454230" cy="5360370"/>
-          </a:xfrm>
-          <a:prstGeom prst="rect">
-            <a:avLst/>
-          </a:prstGeom>
-        </p:spPr>
-      </p:pic>
       <p:sp>
         <p:nvSpPr>
           <p:cNvPr id="5" name="Título 4">
@@ -10372,6 +10342,36 @@
           </a:p>
         </p:txBody>
       </p:sp>
+      <p:pic>
+        <p:nvPicPr>
+          <p:cNvPr id="3" name="Imagen 2">
+            <a:extLst>
+              <a:ext uri="{FF2B5EF4-FFF2-40B4-BE49-F238E27FC236}">
+                <a16:creationId xmlns:a16="http://schemas.microsoft.com/office/drawing/2014/main" id="{D7C4B9D6-B101-9818-858F-7B0DB01F21BD}"/>
+              </a:ext>
+            </a:extLst>
+          </p:cNvPr>
+          <p:cNvPicPr>
+            <a:picLocks noChangeAspect="1"/>
+          </p:cNvPicPr>
+          <p:nvPr/>
+        </p:nvPicPr>
+        <p:blipFill>
+          <a:blip r:embed="rId2"/>
+          <a:stretch>
+            <a:fillRect/>
+          </a:stretch>
+        </p:blipFill>
+        <p:spPr>
+          <a:xfrm>
+            <a:off x="1766178" y="1185952"/>
+            <a:ext cx="9045724" cy="5258256"/>
+          </a:xfrm>
+          <a:prstGeom prst="rect">
+            <a:avLst/>
+          </a:prstGeom>
+        </p:spPr>
+      </p:pic>
     </p:spTree>
     <p:extLst>
       <p:ext uri="{BB962C8B-B14F-4D97-AF65-F5344CB8AC3E}">
